--- a/templates/BUDGET.pptx
+++ b/templates/BUDGET.pptx
@@ -105,7 +105,2677 @@
       </a:defRPr>
     </a:lvl9pPr>
   </p:defaultTextStyle>
+  <p:extLst>
+    <p:ext uri="{EFAFB233-063F-42B5-8137-9DF3F51BA10A}">
+      <p15:sldGuideLst xmlns:p15="http://schemas.microsoft.com/office/powerpoint/2012/main"/>
+    </p:ext>
+  </p:extLst>
 </p:presentation>
+</file>
+
+<file path=ppt/diagrams/colors1.xml><?xml version="1.0" encoding="utf-8"?>
+<dgm:colorsDef xmlns:dgm="http://schemas.openxmlformats.org/drawingml/2006/diagram" xmlns:a="http://schemas.openxmlformats.org/drawingml/2006/main" uniqueId="urn:microsoft.com/office/officeart/2005/8/colors/accent1_2">
+  <dgm:title val=""/>
+  <dgm:desc val=""/>
+  <dgm:catLst>
+    <dgm:cat type="accent1" pri="11200"/>
+  </dgm:catLst>
+  <dgm:styleLbl name="node0">
+    <dgm:fillClrLst meth="repeat">
+      <a:schemeClr val="accent1"/>
+    </dgm:fillClrLst>
+    <dgm:linClrLst meth="repeat">
+      <a:schemeClr val="lt1"/>
+    </dgm:linClrLst>
+    <dgm:effectClrLst/>
+    <dgm:txLinClrLst/>
+    <dgm:txFillClrLst/>
+    <dgm:txEffectClrLst/>
+  </dgm:styleLbl>
+  <dgm:styleLbl name="alignNode1">
+    <dgm:fillClrLst meth="repeat">
+      <a:schemeClr val="accent1"/>
+    </dgm:fillClrLst>
+    <dgm:linClrLst meth="repeat">
+      <a:schemeClr val="accent1"/>
+    </dgm:linClrLst>
+    <dgm:effectClrLst/>
+    <dgm:txLinClrLst/>
+    <dgm:txFillClrLst/>
+    <dgm:txEffectClrLst/>
+  </dgm:styleLbl>
+  <dgm:styleLbl name="node1">
+    <dgm:fillClrLst meth="repeat">
+      <a:schemeClr val="accent1"/>
+    </dgm:fillClrLst>
+    <dgm:linClrLst meth="repeat">
+      <a:schemeClr val="lt1"/>
+    </dgm:linClrLst>
+    <dgm:effectClrLst/>
+    <dgm:txLinClrLst/>
+    <dgm:txFillClrLst/>
+    <dgm:txEffectClrLst/>
+  </dgm:styleLbl>
+  <dgm:styleLbl name="lnNode1">
+    <dgm:fillClrLst meth="repeat">
+      <a:schemeClr val="accent1"/>
+    </dgm:fillClrLst>
+    <dgm:linClrLst meth="repeat">
+      <a:schemeClr val="lt1"/>
+    </dgm:linClrLst>
+    <dgm:effectClrLst/>
+    <dgm:txLinClrLst/>
+    <dgm:txFillClrLst/>
+    <dgm:txEffectClrLst/>
+  </dgm:styleLbl>
+  <dgm:styleLbl name="vennNode1">
+    <dgm:fillClrLst meth="repeat">
+      <a:schemeClr val="accent1">
+        <a:alpha val="50000"/>
+      </a:schemeClr>
+    </dgm:fillClrLst>
+    <dgm:linClrLst meth="repeat">
+      <a:schemeClr val="lt1"/>
+    </dgm:linClrLst>
+    <dgm:effectClrLst/>
+    <dgm:txLinClrLst/>
+    <dgm:txFillClrLst/>
+    <dgm:txEffectClrLst/>
+  </dgm:styleLbl>
+  <dgm:styleLbl name="node2">
+    <dgm:fillClrLst meth="repeat">
+      <a:schemeClr val="accent1"/>
+    </dgm:fillClrLst>
+    <dgm:linClrLst meth="repeat">
+      <a:schemeClr val="lt1"/>
+    </dgm:linClrLst>
+    <dgm:effectClrLst/>
+    <dgm:txLinClrLst/>
+    <dgm:txFillClrLst/>
+    <dgm:txEffectClrLst/>
+  </dgm:styleLbl>
+  <dgm:styleLbl name="node3">
+    <dgm:fillClrLst meth="repeat">
+      <a:schemeClr val="accent1"/>
+    </dgm:fillClrLst>
+    <dgm:linClrLst meth="repeat">
+      <a:schemeClr val="lt1"/>
+    </dgm:linClrLst>
+    <dgm:effectClrLst/>
+    <dgm:txLinClrLst/>
+    <dgm:txFillClrLst/>
+    <dgm:txEffectClrLst/>
+  </dgm:styleLbl>
+  <dgm:styleLbl name="node4">
+    <dgm:fillClrLst meth="repeat">
+      <a:schemeClr val="accent1"/>
+    </dgm:fillClrLst>
+    <dgm:linClrLst meth="repeat">
+      <a:schemeClr val="lt1"/>
+    </dgm:linClrLst>
+    <dgm:effectClrLst/>
+    <dgm:txLinClrLst/>
+    <dgm:txFillClrLst/>
+    <dgm:txEffectClrLst/>
+  </dgm:styleLbl>
+  <dgm:styleLbl name="fgImgPlace1">
+    <dgm:fillClrLst meth="repeat">
+      <a:schemeClr val="accent1">
+        <a:tint val="50000"/>
+      </a:schemeClr>
+    </dgm:fillClrLst>
+    <dgm:linClrLst meth="repeat">
+      <a:schemeClr val="lt1"/>
+    </dgm:linClrLst>
+    <dgm:effectClrLst/>
+    <dgm:txLinClrLst/>
+    <dgm:txFillClrLst meth="repeat">
+      <a:schemeClr val="lt1"/>
+    </dgm:txFillClrLst>
+    <dgm:txEffectClrLst/>
+  </dgm:styleLbl>
+  <dgm:styleLbl name="alignImgPlace1">
+    <dgm:fillClrLst meth="repeat">
+      <a:schemeClr val="accent1">
+        <a:tint val="50000"/>
+      </a:schemeClr>
+    </dgm:fillClrLst>
+    <dgm:linClrLst meth="repeat">
+      <a:schemeClr val="lt1"/>
+    </dgm:linClrLst>
+    <dgm:effectClrLst/>
+    <dgm:txLinClrLst/>
+    <dgm:txFillClrLst meth="repeat">
+      <a:schemeClr val="lt1"/>
+    </dgm:txFillClrLst>
+    <dgm:txEffectClrLst/>
+  </dgm:styleLbl>
+  <dgm:styleLbl name="bgImgPlace1">
+    <dgm:fillClrLst meth="repeat">
+      <a:schemeClr val="accent1">
+        <a:tint val="50000"/>
+      </a:schemeClr>
+    </dgm:fillClrLst>
+    <dgm:linClrLst meth="repeat">
+      <a:schemeClr val="lt1"/>
+    </dgm:linClrLst>
+    <dgm:effectClrLst/>
+    <dgm:txLinClrLst/>
+    <dgm:txFillClrLst meth="repeat">
+      <a:schemeClr val="lt1"/>
+    </dgm:txFillClrLst>
+    <dgm:txEffectClrLst/>
+  </dgm:styleLbl>
+  <dgm:styleLbl name="sibTrans2D1">
+    <dgm:fillClrLst meth="repeat">
+      <a:schemeClr val="accent1">
+        <a:tint val="60000"/>
+      </a:schemeClr>
+    </dgm:fillClrLst>
+    <dgm:linClrLst meth="repeat">
+      <a:schemeClr val="accent1">
+        <a:tint val="60000"/>
+      </a:schemeClr>
+    </dgm:linClrLst>
+    <dgm:effectClrLst/>
+    <dgm:txLinClrLst/>
+    <dgm:txFillClrLst/>
+    <dgm:txEffectClrLst/>
+  </dgm:styleLbl>
+  <dgm:styleLbl name="fgSibTrans2D1">
+    <dgm:fillClrLst meth="repeat">
+      <a:schemeClr val="accent1">
+        <a:tint val="60000"/>
+      </a:schemeClr>
+    </dgm:fillClrLst>
+    <dgm:linClrLst meth="repeat">
+      <a:schemeClr val="accent1">
+        <a:tint val="60000"/>
+      </a:schemeClr>
+    </dgm:linClrLst>
+    <dgm:effectClrLst/>
+    <dgm:txLinClrLst/>
+    <dgm:txFillClrLst/>
+    <dgm:txEffectClrLst/>
+  </dgm:styleLbl>
+  <dgm:styleLbl name="bgSibTrans2D1">
+    <dgm:fillClrLst meth="repeat">
+      <a:schemeClr val="accent1">
+        <a:tint val="60000"/>
+      </a:schemeClr>
+    </dgm:fillClrLst>
+    <dgm:linClrLst meth="repeat">
+      <a:schemeClr val="accent1">
+        <a:tint val="60000"/>
+      </a:schemeClr>
+    </dgm:linClrLst>
+    <dgm:effectClrLst/>
+    <dgm:txLinClrLst/>
+    <dgm:txFillClrLst/>
+    <dgm:txEffectClrLst/>
+  </dgm:styleLbl>
+  <dgm:styleLbl name="sibTrans1D1">
+    <dgm:fillClrLst meth="repeat">
+      <a:schemeClr val="accent1"/>
+    </dgm:fillClrLst>
+    <dgm:linClrLst meth="repeat">
+      <a:schemeClr val="accent1"/>
+    </dgm:linClrLst>
+    <dgm:effectClrLst/>
+    <dgm:txLinClrLst/>
+    <dgm:txFillClrLst meth="repeat">
+      <a:schemeClr val="tx1"/>
+    </dgm:txFillClrLst>
+    <dgm:txEffectClrLst/>
+  </dgm:styleLbl>
+  <dgm:styleLbl name="callout">
+    <dgm:fillClrLst meth="repeat">
+      <a:schemeClr val="accent1"/>
+    </dgm:fillClrLst>
+    <dgm:linClrLst meth="repeat">
+      <a:schemeClr val="accent1">
+        <a:tint val="50000"/>
+      </a:schemeClr>
+    </dgm:linClrLst>
+    <dgm:effectClrLst/>
+    <dgm:txLinClrLst/>
+    <dgm:txFillClrLst meth="repeat">
+      <a:schemeClr val="tx1"/>
+    </dgm:txFillClrLst>
+    <dgm:txEffectClrLst/>
+  </dgm:styleLbl>
+  <dgm:styleLbl name="asst0">
+    <dgm:fillClrLst meth="repeat">
+      <a:schemeClr val="accent1"/>
+    </dgm:fillClrLst>
+    <dgm:linClrLst meth="repeat">
+      <a:schemeClr val="lt1"/>
+    </dgm:linClrLst>
+    <dgm:effectClrLst/>
+    <dgm:txLinClrLst/>
+    <dgm:txFillClrLst/>
+    <dgm:txEffectClrLst/>
+  </dgm:styleLbl>
+  <dgm:styleLbl name="asst1">
+    <dgm:fillClrLst meth="repeat">
+      <a:schemeClr val="accent1"/>
+    </dgm:fillClrLst>
+    <dgm:linClrLst meth="repeat">
+      <a:schemeClr val="lt1"/>
+    </dgm:linClrLst>
+    <dgm:effectClrLst/>
+    <dgm:txLinClrLst/>
+    <dgm:txFillClrLst/>
+    <dgm:txEffectClrLst/>
+  </dgm:styleLbl>
+  <dgm:styleLbl name="asst2">
+    <dgm:fillClrLst meth="repeat">
+      <a:schemeClr val="accent1"/>
+    </dgm:fillClrLst>
+    <dgm:linClrLst meth="repeat">
+      <a:schemeClr val="lt1"/>
+    </dgm:linClrLst>
+    <dgm:effectClrLst/>
+    <dgm:txLinClrLst/>
+    <dgm:txFillClrLst/>
+    <dgm:txEffectClrLst/>
+  </dgm:styleLbl>
+  <dgm:styleLbl name="asst3">
+    <dgm:fillClrLst meth="repeat">
+      <a:schemeClr val="accent1"/>
+    </dgm:fillClrLst>
+    <dgm:linClrLst meth="repeat">
+      <a:schemeClr val="lt1"/>
+    </dgm:linClrLst>
+    <dgm:effectClrLst/>
+    <dgm:txLinClrLst/>
+    <dgm:txFillClrLst/>
+    <dgm:txEffectClrLst/>
+  </dgm:styleLbl>
+  <dgm:styleLbl name="asst4">
+    <dgm:fillClrLst meth="repeat">
+      <a:schemeClr val="accent1"/>
+    </dgm:fillClrLst>
+    <dgm:linClrLst meth="repeat">
+      <a:schemeClr val="lt1"/>
+    </dgm:linClrLst>
+    <dgm:effectClrLst/>
+    <dgm:txLinClrLst/>
+    <dgm:txFillClrLst/>
+    <dgm:txEffectClrLst/>
+  </dgm:styleLbl>
+  <dgm:styleLbl name="parChTrans2D1">
+    <dgm:fillClrLst meth="repeat">
+      <a:schemeClr val="accent1">
+        <a:tint val="60000"/>
+      </a:schemeClr>
+    </dgm:fillClrLst>
+    <dgm:linClrLst meth="repeat">
+      <a:schemeClr val="accent1">
+        <a:tint val="60000"/>
+      </a:schemeClr>
+    </dgm:linClrLst>
+    <dgm:effectClrLst/>
+    <dgm:txLinClrLst/>
+    <dgm:txFillClrLst meth="repeat">
+      <a:schemeClr val="lt1"/>
+    </dgm:txFillClrLst>
+    <dgm:txEffectClrLst/>
+  </dgm:styleLbl>
+  <dgm:styleLbl name="parChTrans2D2">
+    <dgm:fillClrLst meth="repeat">
+      <a:schemeClr val="accent1"/>
+    </dgm:fillClrLst>
+    <dgm:linClrLst meth="repeat">
+      <a:schemeClr val="accent1"/>
+    </dgm:linClrLst>
+    <dgm:effectClrLst/>
+    <dgm:txLinClrLst/>
+    <dgm:txFillClrLst meth="repeat">
+      <a:schemeClr val="lt1"/>
+    </dgm:txFillClrLst>
+    <dgm:txEffectClrLst/>
+  </dgm:styleLbl>
+  <dgm:styleLbl name="parChTrans2D3">
+    <dgm:fillClrLst meth="repeat">
+      <a:schemeClr val="accent1"/>
+    </dgm:fillClrLst>
+    <dgm:linClrLst meth="repeat">
+      <a:schemeClr val="accent1"/>
+    </dgm:linClrLst>
+    <dgm:effectClrLst/>
+    <dgm:txLinClrLst/>
+    <dgm:txFillClrLst meth="repeat">
+      <a:schemeClr val="lt1"/>
+    </dgm:txFillClrLst>
+    <dgm:txEffectClrLst/>
+  </dgm:styleLbl>
+  <dgm:styleLbl name="parChTrans2D4">
+    <dgm:fillClrLst meth="repeat">
+      <a:schemeClr val="accent1"/>
+    </dgm:fillClrLst>
+    <dgm:linClrLst meth="repeat">
+      <a:schemeClr val="accent1"/>
+    </dgm:linClrLst>
+    <dgm:effectClrLst/>
+    <dgm:txLinClrLst/>
+    <dgm:txFillClrLst meth="repeat">
+      <a:schemeClr val="lt1"/>
+    </dgm:txFillClrLst>
+    <dgm:txEffectClrLst/>
+  </dgm:styleLbl>
+  <dgm:styleLbl name="parChTrans1D1">
+    <dgm:fillClrLst meth="repeat">
+      <a:schemeClr val="accent1"/>
+    </dgm:fillClrLst>
+    <dgm:linClrLst meth="repeat">
+      <a:schemeClr val="accent1">
+        <a:shade val="60000"/>
+      </a:schemeClr>
+    </dgm:linClrLst>
+    <dgm:effectClrLst/>
+    <dgm:txLinClrLst/>
+    <dgm:txFillClrLst meth="repeat">
+      <a:schemeClr val="tx1"/>
+    </dgm:txFillClrLst>
+    <dgm:txEffectClrLst/>
+  </dgm:styleLbl>
+  <dgm:styleLbl name="parChTrans1D2">
+    <dgm:fillClrLst meth="repeat">
+      <a:schemeClr val="accent1"/>
+    </dgm:fillClrLst>
+    <dgm:linClrLst meth="repeat">
+      <a:schemeClr val="accent1">
+        <a:shade val="60000"/>
+      </a:schemeClr>
+    </dgm:linClrLst>
+    <dgm:effectClrLst/>
+    <dgm:txLinClrLst/>
+    <dgm:txFillClrLst meth="repeat">
+      <a:schemeClr val="tx1"/>
+    </dgm:txFillClrLst>
+    <dgm:txEffectClrLst/>
+  </dgm:styleLbl>
+  <dgm:styleLbl name="parChTrans1D3">
+    <dgm:fillClrLst meth="repeat">
+      <a:schemeClr val="accent1"/>
+    </dgm:fillClrLst>
+    <dgm:linClrLst meth="repeat">
+      <a:schemeClr val="accent1">
+        <a:shade val="80000"/>
+      </a:schemeClr>
+    </dgm:linClrLst>
+    <dgm:effectClrLst/>
+    <dgm:txLinClrLst/>
+    <dgm:txFillClrLst meth="repeat">
+      <a:schemeClr val="tx1"/>
+    </dgm:txFillClrLst>
+    <dgm:txEffectClrLst/>
+  </dgm:styleLbl>
+  <dgm:styleLbl name="parChTrans1D4">
+    <dgm:fillClrLst meth="repeat">
+      <a:schemeClr val="accent1"/>
+    </dgm:fillClrLst>
+    <dgm:linClrLst meth="repeat">
+      <a:schemeClr val="accent1">
+        <a:shade val="80000"/>
+      </a:schemeClr>
+    </dgm:linClrLst>
+    <dgm:effectClrLst/>
+    <dgm:txLinClrLst/>
+    <dgm:txFillClrLst meth="repeat">
+      <a:schemeClr val="tx1"/>
+    </dgm:txFillClrLst>
+    <dgm:txEffectClrLst/>
+  </dgm:styleLbl>
+  <dgm:styleLbl name="fgAcc1">
+    <dgm:fillClrLst meth="repeat">
+      <a:schemeClr val="lt1">
+        <a:alpha val="90000"/>
+      </a:schemeClr>
+    </dgm:fillClrLst>
+    <dgm:linClrLst meth="repeat">
+      <a:schemeClr val="accent1"/>
+    </dgm:linClrLst>
+    <dgm:effectClrLst/>
+    <dgm:txLinClrLst/>
+    <dgm:txFillClrLst meth="repeat">
+      <a:schemeClr val="dk1"/>
+    </dgm:txFillClrLst>
+    <dgm:txEffectClrLst/>
+  </dgm:styleLbl>
+  <dgm:styleLbl name="conFgAcc1">
+    <dgm:fillClrLst meth="repeat">
+      <a:schemeClr val="lt1">
+        <a:alpha val="90000"/>
+      </a:schemeClr>
+    </dgm:fillClrLst>
+    <dgm:linClrLst meth="repeat">
+      <a:schemeClr val="accent1"/>
+    </dgm:linClrLst>
+    <dgm:effectClrLst/>
+    <dgm:txLinClrLst/>
+    <dgm:txFillClrLst meth="repeat">
+      <a:schemeClr val="dk1"/>
+    </dgm:txFillClrLst>
+    <dgm:txEffectClrLst/>
+  </dgm:styleLbl>
+  <dgm:styleLbl name="alignAcc1">
+    <dgm:fillClrLst meth="repeat">
+      <a:schemeClr val="lt1">
+        <a:alpha val="90000"/>
+      </a:schemeClr>
+    </dgm:fillClrLst>
+    <dgm:linClrLst meth="repeat">
+      <a:schemeClr val="accent1"/>
+    </dgm:linClrLst>
+    <dgm:effectClrLst/>
+    <dgm:txLinClrLst/>
+    <dgm:txFillClrLst meth="repeat">
+      <a:schemeClr val="dk1"/>
+    </dgm:txFillClrLst>
+    <dgm:txEffectClrLst/>
+  </dgm:styleLbl>
+  <dgm:styleLbl name="trAlignAcc1">
+    <dgm:fillClrLst meth="repeat">
+      <a:schemeClr val="lt1">
+        <a:alpha val="40000"/>
+      </a:schemeClr>
+    </dgm:fillClrLst>
+    <dgm:linClrLst meth="repeat">
+      <a:schemeClr val="accent1"/>
+    </dgm:linClrLst>
+    <dgm:effectClrLst/>
+    <dgm:txLinClrLst/>
+    <dgm:txFillClrLst meth="repeat">
+      <a:schemeClr val="dk1"/>
+    </dgm:txFillClrLst>
+    <dgm:txEffectClrLst/>
+  </dgm:styleLbl>
+  <dgm:styleLbl name="bgAcc1">
+    <dgm:fillClrLst meth="repeat">
+      <a:schemeClr val="lt1">
+        <a:alpha val="90000"/>
+      </a:schemeClr>
+    </dgm:fillClrLst>
+    <dgm:linClrLst meth="repeat">
+      <a:schemeClr val="accent1"/>
+    </dgm:linClrLst>
+    <dgm:effectClrLst/>
+    <dgm:txLinClrLst/>
+    <dgm:txFillClrLst meth="repeat">
+      <a:schemeClr val="dk1"/>
+    </dgm:txFillClrLst>
+    <dgm:txEffectClrLst/>
+  </dgm:styleLbl>
+  <dgm:styleLbl name="solidFgAcc1">
+    <dgm:fillClrLst meth="repeat">
+      <a:schemeClr val="lt1"/>
+    </dgm:fillClrLst>
+    <dgm:linClrLst meth="repeat">
+      <a:schemeClr val="accent1"/>
+    </dgm:linClrLst>
+    <dgm:effectClrLst/>
+    <dgm:txLinClrLst/>
+    <dgm:txFillClrLst meth="repeat">
+      <a:schemeClr val="dk1"/>
+    </dgm:txFillClrLst>
+    <dgm:txEffectClrLst/>
+  </dgm:styleLbl>
+  <dgm:styleLbl name="solidAlignAcc1">
+    <dgm:fillClrLst meth="repeat">
+      <a:schemeClr val="lt1"/>
+    </dgm:fillClrLst>
+    <dgm:linClrLst meth="repeat">
+      <a:schemeClr val="accent1"/>
+    </dgm:linClrLst>
+    <dgm:effectClrLst/>
+    <dgm:txLinClrLst/>
+    <dgm:txFillClrLst meth="repeat">
+      <a:schemeClr val="dk1"/>
+    </dgm:txFillClrLst>
+    <dgm:txEffectClrLst/>
+  </dgm:styleLbl>
+  <dgm:styleLbl name="solidBgAcc1">
+    <dgm:fillClrLst meth="repeat">
+      <a:schemeClr val="lt1"/>
+    </dgm:fillClrLst>
+    <dgm:linClrLst meth="repeat">
+      <a:schemeClr val="accent1"/>
+    </dgm:linClrLst>
+    <dgm:effectClrLst/>
+    <dgm:txLinClrLst/>
+    <dgm:txFillClrLst meth="repeat">
+      <a:schemeClr val="dk1"/>
+    </dgm:txFillClrLst>
+    <dgm:txEffectClrLst/>
+  </dgm:styleLbl>
+  <dgm:styleLbl name="fgAccFollowNode1">
+    <dgm:fillClrLst meth="repeat">
+      <a:schemeClr val="accent1">
+        <a:alpha val="90000"/>
+        <a:tint val="40000"/>
+      </a:schemeClr>
+    </dgm:fillClrLst>
+    <dgm:linClrLst meth="repeat">
+      <a:schemeClr val="accent1">
+        <a:alpha val="90000"/>
+        <a:tint val="40000"/>
+      </a:schemeClr>
+    </dgm:linClrLst>
+    <dgm:effectClrLst/>
+    <dgm:txLinClrLst/>
+    <dgm:txFillClrLst meth="repeat">
+      <a:schemeClr val="dk1"/>
+    </dgm:txFillClrLst>
+    <dgm:txEffectClrLst/>
+  </dgm:styleLbl>
+  <dgm:styleLbl name="alignAccFollowNode1">
+    <dgm:fillClrLst meth="repeat">
+      <a:schemeClr val="accent1">
+        <a:alpha val="90000"/>
+        <a:tint val="40000"/>
+      </a:schemeClr>
+    </dgm:fillClrLst>
+    <dgm:linClrLst meth="repeat">
+      <a:schemeClr val="accent1">
+        <a:alpha val="90000"/>
+        <a:tint val="40000"/>
+      </a:schemeClr>
+    </dgm:linClrLst>
+    <dgm:effectClrLst/>
+    <dgm:txLinClrLst/>
+    <dgm:txFillClrLst meth="repeat">
+      <a:schemeClr val="dk1"/>
+    </dgm:txFillClrLst>
+    <dgm:txEffectClrLst/>
+  </dgm:styleLbl>
+  <dgm:styleLbl name="bgAccFollowNode1">
+    <dgm:fillClrLst meth="repeat">
+      <a:schemeClr val="accent1">
+        <a:alpha val="90000"/>
+        <a:tint val="40000"/>
+      </a:schemeClr>
+    </dgm:fillClrLst>
+    <dgm:linClrLst meth="repeat">
+      <a:schemeClr val="accent1">
+        <a:alpha val="90000"/>
+        <a:tint val="40000"/>
+      </a:schemeClr>
+    </dgm:linClrLst>
+    <dgm:effectClrLst/>
+    <dgm:txLinClrLst/>
+    <dgm:txFillClrLst meth="repeat">
+      <a:schemeClr val="dk1"/>
+    </dgm:txFillClrLst>
+    <dgm:txEffectClrLst/>
+  </dgm:styleLbl>
+  <dgm:styleLbl name="fgAcc0">
+    <dgm:fillClrLst meth="repeat">
+      <a:schemeClr val="lt1">
+        <a:alpha val="90000"/>
+      </a:schemeClr>
+    </dgm:fillClrLst>
+    <dgm:linClrLst meth="repeat">
+      <a:schemeClr val="accent1"/>
+    </dgm:linClrLst>
+    <dgm:effectClrLst/>
+    <dgm:txLinClrLst/>
+    <dgm:txFillClrLst meth="repeat">
+      <a:schemeClr val="dk1"/>
+    </dgm:txFillClrLst>
+    <dgm:txEffectClrLst/>
+  </dgm:styleLbl>
+  <dgm:styleLbl name="fgAcc2">
+    <dgm:fillClrLst meth="repeat">
+      <a:schemeClr val="lt1">
+        <a:alpha val="90000"/>
+      </a:schemeClr>
+    </dgm:fillClrLst>
+    <dgm:linClrLst meth="repeat">
+      <a:schemeClr val="accent1"/>
+    </dgm:linClrLst>
+    <dgm:effectClrLst/>
+    <dgm:txLinClrLst/>
+    <dgm:txFillClrLst meth="repeat">
+      <a:schemeClr val="dk1"/>
+    </dgm:txFillClrLst>
+    <dgm:txEffectClrLst/>
+  </dgm:styleLbl>
+  <dgm:styleLbl name="fgAcc3">
+    <dgm:fillClrLst meth="repeat">
+      <a:schemeClr val="lt1">
+        <a:alpha val="90000"/>
+      </a:schemeClr>
+    </dgm:fillClrLst>
+    <dgm:linClrLst meth="repeat">
+      <a:schemeClr val="accent1"/>
+    </dgm:linClrLst>
+    <dgm:effectClrLst/>
+    <dgm:txLinClrLst/>
+    <dgm:txFillClrLst meth="repeat">
+      <a:schemeClr val="dk1"/>
+    </dgm:txFillClrLst>
+    <dgm:txEffectClrLst/>
+  </dgm:styleLbl>
+  <dgm:styleLbl name="fgAcc4">
+    <dgm:fillClrLst meth="repeat">
+      <a:schemeClr val="lt1">
+        <a:alpha val="90000"/>
+      </a:schemeClr>
+    </dgm:fillClrLst>
+    <dgm:linClrLst meth="repeat">
+      <a:schemeClr val="accent1"/>
+    </dgm:linClrLst>
+    <dgm:effectClrLst/>
+    <dgm:txLinClrLst/>
+    <dgm:txFillClrLst meth="repeat">
+      <a:schemeClr val="dk1"/>
+    </dgm:txFillClrLst>
+    <dgm:txEffectClrLst/>
+  </dgm:styleLbl>
+  <dgm:styleLbl name="bgShp">
+    <dgm:fillClrLst meth="repeat">
+      <a:schemeClr val="accent1">
+        <a:tint val="40000"/>
+      </a:schemeClr>
+    </dgm:fillClrLst>
+    <dgm:linClrLst meth="repeat">
+      <a:schemeClr val="accent1"/>
+    </dgm:linClrLst>
+    <dgm:effectClrLst/>
+    <dgm:txLinClrLst/>
+    <dgm:txFillClrLst meth="repeat">
+      <a:schemeClr val="dk1"/>
+    </dgm:txFillClrLst>
+    <dgm:txEffectClrLst/>
+  </dgm:styleLbl>
+  <dgm:styleLbl name="dkBgShp">
+    <dgm:fillClrLst meth="repeat">
+      <a:schemeClr val="accent1">
+        <a:shade val="80000"/>
+      </a:schemeClr>
+    </dgm:fillClrLst>
+    <dgm:linClrLst meth="repeat">
+      <a:schemeClr val="accent1"/>
+    </dgm:linClrLst>
+    <dgm:effectClrLst/>
+    <dgm:txLinClrLst/>
+    <dgm:txFillClrLst meth="repeat">
+      <a:schemeClr val="lt1"/>
+    </dgm:txFillClrLst>
+    <dgm:txEffectClrLst/>
+  </dgm:styleLbl>
+  <dgm:styleLbl name="trBgShp">
+    <dgm:fillClrLst meth="repeat">
+      <a:schemeClr val="accent1">
+        <a:tint val="50000"/>
+        <a:alpha val="40000"/>
+      </a:schemeClr>
+    </dgm:fillClrLst>
+    <dgm:linClrLst meth="repeat">
+      <a:schemeClr val="accent1"/>
+    </dgm:linClrLst>
+    <dgm:effectClrLst/>
+    <dgm:txLinClrLst/>
+    <dgm:txFillClrLst meth="repeat">
+      <a:schemeClr val="lt1"/>
+    </dgm:txFillClrLst>
+    <dgm:txEffectClrLst/>
+  </dgm:styleLbl>
+  <dgm:styleLbl name="fgShp">
+    <dgm:fillClrLst meth="repeat">
+      <a:schemeClr val="accent1">
+        <a:tint val="60000"/>
+      </a:schemeClr>
+    </dgm:fillClrLst>
+    <dgm:linClrLst meth="repeat">
+      <a:schemeClr val="lt1"/>
+    </dgm:linClrLst>
+    <dgm:effectClrLst/>
+    <dgm:txLinClrLst/>
+    <dgm:txFillClrLst meth="repeat">
+      <a:schemeClr val="dk1"/>
+    </dgm:txFillClrLst>
+    <dgm:txEffectClrLst/>
+  </dgm:styleLbl>
+  <dgm:styleLbl name="revTx">
+    <dgm:fillClrLst meth="repeat">
+      <a:schemeClr val="lt1">
+        <a:alpha val="0"/>
+      </a:schemeClr>
+    </dgm:fillClrLst>
+    <dgm:linClrLst meth="repeat">
+      <a:schemeClr val="dk1">
+        <a:alpha val="0"/>
+      </a:schemeClr>
+    </dgm:linClrLst>
+    <dgm:effectClrLst/>
+    <dgm:txLinClrLst/>
+    <dgm:txFillClrLst meth="repeat">
+      <a:schemeClr val="tx1"/>
+    </dgm:txFillClrLst>
+    <dgm:txEffectClrLst/>
+  </dgm:styleLbl>
+</dgm:colorsDef>
+</file>
+
+<file path=ppt/diagrams/data1.xml><?xml version="1.0" encoding="utf-8"?>
+<dgm:dataModel xmlns:dgm="http://schemas.openxmlformats.org/drawingml/2006/diagram" xmlns:a="http://schemas.openxmlformats.org/drawingml/2006/main">
+  <dgm:ptLst>
+    <dgm:pt modelId="{735BE3CB-24FD-460A-8BD2-5E8B2CE2A561}" type="doc">
+      <dgm:prSet loTypeId="urn:microsoft.com/office/officeart/2008/layout/PictureAccentList" loCatId="list" qsTypeId="urn:microsoft.com/office/officeart/2005/8/quickstyle/simple1" qsCatId="simple" csTypeId="urn:microsoft.com/office/officeart/2005/8/colors/accent1_2" csCatId="accent1" phldr="1"/>
+      <dgm:spPr/>
+      <dgm:t>
+        <a:bodyPr/>
+        <a:lstStyle/>
+        <a:p>
+          <a:endParaRPr lang="en-IN"/>
+        </a:p>
+      </dgm:t>
+    </dgm:pt>
+    <dgm:pt modelId="{494DB029-D7B2-4941-BDCF-07A46BB1BE7A}">
+      <dgm:prSet phldrT="[Text]"/>
+      <dgm:spPr/>
+      <dgm:t>
+        <a:bodyPr/>
+        <a:lstStyle/>
+        <a:p>
+          <a:r>
+            <a:rPr lang="en-IN" dirty="0"/>
+            <a:t>Rough Bill</a:t>
+          </a:r>
+        </a:p>
+      </dgm:t>
+    </dgm:pt>
+    <dgm:pt modelId="{C363B1AD-C350-4678-94EC-3F13A90BD665}" type="parTrans" cxnId="{ABEEED64-0487-4880-9633-206BECEF8F12}">
+      <dgm:prSet/>
+      <dgm:spPr/>
+      <dgm:t>
+        <a:bodyPr/>
+        <a:lstStyle/>
+        <a:p>
+          <a:endParaRPr lang="en-IN"/>
+        </a:p>
+      </dgm:t>
+    </dgm:pt>
+    <dgm:pt modelId="{5F7FE072-C9E3-4E1B-A862-B96923E37088}" type="sibTrans" cxnId="{ABEEED64-0487-4880-9633-206BECEF8F12}">
+      <dgm:prSet/>
+      <dgm:spPr/>
+      <dgm:t>
+        <a:bodyPr/>
+        <a:lstStyle/>
+        <a:p>
+          <a:endParaRPr lang="en-IN"/>
+        </a:p>
+      </dgm:t>
+    </dgm:pt>
+    <dgm:pt modelId="{EF10C2E8-19D5-40E7-9421-AF8C405B0D9C}">
+      <dgm:prSet phldrT="[Text]"/>
+      <dgm:spPr/>
+      <dgm:t>
+        <a:bodyPr/>
+        <a:lstStyle/>
+        <a:p>
+          <a:r>
+            <a:rPr lang="en-IN" dirty="0"/>
+            <a:t>CCTV Camera ---------------------------------- Rs 2000</a:t>
+          </a:r>
+        </a:p>
+      </dgm:t>
+    </dgm:pt>
+    <dgm:pt modelId="{BDFB119C-A5FB-4327-BCF8-21FD315781E7}" type="parTrans" cxnId="{EDF94B6A-4080-40BD-88E6-ACB7D3931A3E}">
+      <dgm:prSet/>
+      <dgm:spPr/>
+      <dgm:t>
+        <a:bodyPr/>
+        <a:lstStyle/>
+        <a:p>
+          <a:endParaRPr lang="en-IN"/>
+        </a:p>
+      </dgm:t>
+    </dgm:pt>
+    <dgm:pt modelId="{0C9C7C5A-6B32-42A0-B3B7-0EA4B94F18FA}" type="sibTrans" cxnId="{EDF94B6A-4080-40BD-88E6-ACB7D3931A3E}">
+      <dgm:prSet/>
+      <dgm:spPr/>
+      <dgm:t>
+        <a:bodyPr/>
+        <a:lstStyle/>
+        <a:p>
+          <a:endParaRPr lang="en-IN"/>
+        </a:p>
+      </dgm:t>
+    </dgm:pt>
+    <dgm:pt modelId="{FF843C39-F812-4071-A8E1-0E350A3BDE26}">
+      <dgm:prSet phldrT="[Text]"/>
+      <dgm:spPr/>
+      <dgm:t>
+        <a:bodyPr/>
+        <a:lstStyle/>
+        <a:p>
+          <a:r>
+            <a:rPr lang="en-IN" dirty="0" err="1"/>
+            <a:t>Neurostick</a:t>
+          </a:r>
+          <a:r>
+            <a:rPr lang="en-IN" dirty="0"/>
+            <a:t> ----------------------------------------Rs 6000</a:t>
+          </a:r>
+        </a:p>
+      </dgm:t>
+    </dgm:pt>
+    <dgm:pt modelId="{DFA90881-3359-4DE1-9804-26D398DAB2CB}" type="parTrans" cxnId="{908BCCD7-0339-4A9B-A182-A8CCF16E2FA6}">
+      <dgm:prSet/>
+      <dgm:spPr/>
+      <dgm:t>
+        <a:bodyPr/>
+        <a:lstStyle/>
+        <a:p>
+          <a:endParaRPr lang="en-IN"/>
+        </a:p>
+      </dgm:t>
+    </dgm:pt>
+    <dgm:pt modelId="{B2F986A0-7B38-46DF-94A1-D0246462D953}" type="sibTrans" cxnId="{908BCCD7-0339-4A9B-A182-A8CCF16E2FA6}">
+      <dgm:prSet/>
+      <dgm:spPr/>
+      <dgm:t>
+        <a:bodyPr/>
+        <a:lstStyle/>
+        <a:p>
+          <a:endParaRPr lang="en-IN"/>
+        </a:p>
+      </dgm:t>
+    </dgm:pt>
+    <dgm:pt modelId="{4994E392-D07B-4A5B-9960-BB0128C30062}" type="pres">
+      <dgm:prSet presAssocID="{735BE3CB-24FD-460A-8BD2-5E8B2CE2A561}" presName="layout" presStyleCnt="0">
+        <dgm:presLayoutVars>
+          <dgm:chMax/>
+          <dgm:chPref/>
+          <dgm:dir/>
+          <dgm:animOne val="branch"/>
+          <dgm:animLvl val="lvl"/>
+          <dgm:resizeHandles/>
+        </dgm:presLayoutVars>
+      </dgm:prSet>
+      <dgm:spPr/>
+    </dgm:pt>
+    <dgm:pt modelId="{AC21C06B-DC80-4BE1-9062-C57777C240C0}" type="pres">
+      <dgm:prSet presAssocID="{494DB029-D7B2-4941-BDCF-07A46BB1BE7A}" presName="root" presStyleCnt="0">
+        <dgm:presLayoutVars>
+          <dgm:chMax/>
+          <dgm:chPref val="4"/>
+        </dgm:presLayoutVars>
+      </dgm:prSet>
+      <dgm:spPr/>
+    </dgm:pt>
+    <dgm:pt modelId="{8894CFB4-F8CE-46CE-83EC-9BAB15D07F22}" type="pres">
+      <dgm:prSet presAssocID="{494DB029-D7B2-4941-BDCF-07A46BB1BE7A}" presName="rootComposite" presStyleCnt="0">
+        <dgm:presLayoutVars/>
+      </dgm:prSet>
+      <dgm:spPr/>
+    </dgm:pt>
+    <dgm:pt modelId="{B47D8431-918D-4EE2-95B5-9648BE94FC52}" type="pres">
+      <dgm:prSet presAssocID="{494DB029-D7B2-4941-BDCF-07A46BB1BE7A}" presName="rootText" presStyleLbl="node0" presStyleIdx="0" presStyleCnt="1">
+        <dgm:presLayoutVars>
+          <dgm:chMax/>
+          <dgm:chPref val="4"/>
+        </dgm:presLayoutVars>
+      </dgm:prSet>
+      <dgm:spPr/>
+    </dgm:pt>
+    <dgm:pt modelId="{F1740365-36A2-4C7D-A436-5BEB248E9EC0}" type="pres">
+      <dgm:prSet presAssocID="{494DB029-D7B2-4941-BDCF-07A46BB1BE7A}" presName="childShape" presStyleCnt="0">
+        <dgm:presLayoutVars>
+          <dgm:chMax val="0"/>
+          <dgm:chPref val="0"/>
+        </dgm:presLayoutVars>
+      </dgm:prSet>
+      <dgm:spPr/>
+    </dgm:pt>
+    <dgm:pt modelId="{5001A631-AD10-4934-AB8A-1C23187D89F6}" type="pres">
+      <dgm:prSet presAssocID="{EF10C2E8-19D5-40E7-9421-AF8C405B0D9C}" presName="childComposite" presStyleCnt="0">
+        <dgm:presLayoutVars>
+          <dgm:chMax val="0"/>
+          <dgm:chPref val="0"/>
+        </dgm:presLayoutVars>
+      </dgm:prSet>
+      <dgm:spPr/>
+    </dgm:pt>
+    <dgm:pt modelId="{9207DB5F-1D1C-41ED-A842-661F3BD1E577}" type="pres">
+      <dgm:prSet presAssocID="{EF10C2E8-19D5-40E7-9421-AF8C405B0D9C}" presName="Image" presStyleLbl="node1" presStyleIdx="0" presStyleCnt="2"/>
+      <dgm:spPr>
+        <a:blipFill>
+          <a:blip xmlns:r="http://schemas.openxmlformats.org/officeDocument/2006/relationships" r:embed="rId1">
+            <a:extLst>
+              <a:ext uri="{28A0092B-C50C-407E-A947-70E740481C1C}">
+                <a14:useLocalDpi xmlns:a14="http://schemas.microsoft.com/office/drawing/2010/main" val="0"/>
+              </a:ext>
+              <a:ext uri="{837473B0-CC2E-450A-ABE3-18F120FF3D39}">
+                <a1611:picAttrSrcUrl xmlns:a1611="http://schemas.microsoft.com/office/drawing/2016/11/main" r:id="rId2"/>
+              </a:ext>
+            </a:extLst>
+          </a:blip>
+          <a:srcRect/>
+          <a:stretch>
+            <a:fillRect/>
+          </a:stretch>
+        </a:blipFill>
+      </dgm:spPr>
+    </dgm:pt>
+    <dgm:pt modelId="{64AB514E-DC97-4C09-9752-AAFB9647B2D9}" type="pres">
+      <dgm:prSet presAssocID="{EF10C2E8-19D5-40E7-9421-AF8C405B0D9C}" presName="childText" presStyleLbl="lnNode1" presStyleIdx="0" presStyleCnt="2">
+        <dgm:presLayoutVars>
+          <dgm:chMax val="0"/>
+          <dgm:chPref val="0"/>
+          <dgm:bulletEnabled val="1"/>
+        </dgm:presLayoutVars>
+      </dgm:prSet>
+      <dgm:spPr/>
+    </dgm:pt>
+    <dgm:pt modelId="{40CCDE5D-8E9B-431A-AF01-AB545897029A}" type="pres">
+      <dgm:prSet presAssocID="{FF843C39-F812-4071-A8E1-0E350A3BDE26}" presName="childComposite" presStyleCnt="0">
+        <dgm:presLayoutVars>
+          <dgm:chMax val="0"/>
+          <dgm:chPref val="0"/>
+        </dgm:presLayoutVars>
+      </dgm:prSet>
+      <dgm:spPr/>
+    </dgm:pt>
+    <dgm:pt modelId="{B4D771D5-2CD6-4F16-9999-C43DE2D0BF48}" type="pres">
+      <dgm:prSet presAssocID="{FF843C39-F812-4071-A8E1-0E350A3BDE26}" presName="Image" presStyleLbl="node1" presStyleIdx="1" presStyleCnt="2"/>
+      <dgm:spPr>
+        <a:blipFill rotWithShape="1">
+          <a:blip xmlns:r="http://schemas.openxmlformats.org/officeDocument/2006/relationships" r:embed="rId3"/>
+          <a:srcRect/>
+          <a:stretch>
+            <a:fillRect l="-17000" r="-17000"/>
+          </a:stretch>
+        </a:blipFill>
+      </dgm:spPr>
+    </dgm:pt>
+    <dgm:pt modelId="{B2A47316-6F9A-49DA-97E9-47AE72F67A95}" type="pres">
+      <dgm:prSet presAssocID="{FF843C39-F812-4071-A8E1-0E350A3BDE26}" presName="childText" presStyleLbl="lnNode1" presStyleIdx="1" presStyleCnt="2">
+        <dgm:presLayoutVars>
+          <dgm:chMax val="0"/>
+          <dgm:chPref val="0"/>
+          <dgm:bulletEnabled val="1"/>
+        </dgm:presLayoutVars>
+      </dgm:prSet>
+      <dgm:spPr/>
+    </dgm:pt>
+  </dgm:ptLst>
+  <dgm:cxnLst>
+    <dgm:cxn modelId="{ABEEED64-0487-4880-9633-206BECEF8F12}" srcId="{735BE3CB-24FD-460A-8BD2-5E8B2CE2A561}" destId="{494DB029-D7B2-4941-BDCF-07A46BB1BE7A}" srcOrd="0" destOrd="0" parTransId="{C363B1AD-C350-4678-94EC-3F13A90BD665}" sibTransId="{5F7FE072-C9E3-4E1B-A862-B96923E37088}"/>
+    <dgm:cxn modelId="{EDF94B6A-4080-40BD-88E6-ACB7D3931A3E}" srcId="{494DB029-D7B2-4941-BDCF-07A46BB1BE7A}" destId="{EF10C2E8-19D5-40E7-9421-AF8C405B0D9C}" srcOrd="0" destOrd="0" parTransId="{BDFB119C-A5FB-4327-BCF8-21FD315781E7}" sibTransId="{0C9C7C5A-6B32-42A0-B3B7-0EA4B94F18FA}"/>
+    <dgm:cxn modelId="{6498A556-C1F5-4494-8115-DF9115BB7018}" type="presOf" srcId="{494DB029-D7B2-4941-BDCF-07A46BB1BE7A}" destId="{B47D8431-918D-4EE2-95B5-9648BE94FC52}" srcOrd="0" destOrd="0" presId="urn:microsoft.com/office/officeart/2008/layout/PictureAccentList"/>
+    <dgm:cxn modelId="{9F9401A9-FD18-460E-AD98-F304FE6E687D}" type="presOf" srcId="{FF843C39-F812-4071-A8E1-0E350A3BDE26}" destId="{B2A47316-6F9A-49DA-97E9-47AE72F67A95}" srcOrd="0" destOrd="0" presId="urn:microsoft.com/office/officeart/2008/layout/PictureAccentList"/>
+    <dgm:cxn modelId="{02E7E5D0-B199-4248-BD27-FAF442A8CC12}" type="presOf" srcId="{EF10C2E8-19D5-40E7-9421-AF8C405B0D9C}" destId="{64AB514E-DC97-4C09-9752-AAFB9647B2D9}" srcOrd="0" destOrd="0" presId="urn:microsoft.com/office/officeart/2008/layout/PictureAccentList"/>
+    <dgm:cxn modelId="{908BCCD7-0339-4A9B-A182-A8CCF16E2FA6}" srcId="{494DB029-D7B2-4941-BDCF-07A46BB1BE7A}" destId="{FF843C39-F812-4071-A8E1-0E350A3BDE26}" srcOrd="1" destOrd="0" parTransId="{DFA90881-3359-4DE1-9804-26D398DAB2CB}" sibTransId="{B2F986A0-7B38-46DF-94A1-D0246462D953}"/>
+    <dgm:cxn modelId="{2FD5ECFC-D23F-4831-ACDB-9FE138332783}" type="presOf" srcId="{735BE3CB-24FD-460A-8BD2-5E8B2CE2A561}" destId="{4994E392-D07B-4A5B-9960-BB0128C30062}" srcOrd="0" destOrd="0" presId="urn:microsoft.com/office/officeart/2008/layout/PictureAccentList"/>
+    <dgm:cxn modelId="{C4C192DA-59B2-43D7-940E-11FA53F49D89}" type="presParOf" srcId="{4994E392-D07B-4A5B-9960-BB0128C30062}" destId="{AC21C06B-DC80-4BE1-9062-C57777C240C0}" srcOrd="0" destOrd="0" presId="urn:microsoft.com/office/officeart/2008/layout/PictureAccentList"/>
+    <dgm:cxn modelId="{3120F5C7-8545-4238-A182-671357F2AF16}" type="presParOf" srcId="{AC21C06B-DC80-4BE1-9062-C57777C240C0}" destId="{8894CFB4-F8CE-46CE-83EC-9BAB15D07F22}" srcOrd="0" destOrd="0" presId="urn:microsoft.com/office/officeart/2008/layout/PictureAccentList"/>
+    <dgm:cxn modelId="{BCD0548B-92D6-45A6-B378-FEF925EB2369}" type="presParOf" srcId="{8894CFB4-F8CE-46CE-83EC-9BAB15D07F22}" destId="{B47D8431-918D-4EE2-95B5-9648BE94FC52}" srcOrd="0" destOrd="0" presId="urn:microsoft.com/office/officeart/2008/layout/PictureAccentList"/>
+    <dgm:cxn modelId="{34767B03-EA6C-4872-864B-1B7614261999}" type="presParOf" srcId="{AC21C06B-DC80-4BE1-9062-C57777C240C0}" destId="{F1740365-36A2-4C7D-A436-5BEB248E9EC0}" srcOrd="1" destOrd="0" presId="urn:microsoft.com/office/officeart/2008/layout/PictureAccentList"/>
+    <dgm:cxn modelId="{93ECB349-4A1E-46D9-93BB-94005BDB2C45}" type="presParOf" srcId="{F1740365-36A2-4C7D-A436-5BEB248E9EC0}" destId="{5001A631-AD10-4934-AB8A-1C23187D89F6}" srcOrd="0" destOrd="0" presId="urn:microsoft.com/office/officeart/2008/layout/PictureAccentList"/>
+    <dgm:cxn modelId="{F0CB8A1F-7BF6-4ADE-81F0-6463677D4CD3}" type="presParOf" srcId="{5001A631-AD10-4934-AB8A-1C23187D89F6}" destId="{9207DB5F-1D1C-41ED-A842-661F3BD1E577}" srcOrd="0" destOrd="0" presId="urn:microsoft.com/office/officeart/2008/layout/PictureAccentList"/>
+    <dgm:cxn modelId="{943972EF-BA1C-4E55-8609-51DA5489A991}" type="presParOf" srcId="{5001A631-AD10-4934-AB8A-1C23187D89F6}" destId="{64AB514E-DC97-4C09-9752-AAFB9647B2D9}" srcOrd="1" destOrd="0" presId="urn:microsoft.com/office/officeart/2008/layout/PictureAccentList"/>
+    <dgm:cxn modelId="{F5438FCD-E9A8-4FFB-ACC8-6008CF7DC597}" type="presParOf" srcId="{F1740365-36A2-4C7D-A436-5BEB248E9EC0}" destId="{40CCDE5D-8E9B-431A-AF01-AB545897029A}" srcOrd="1" destOrd="0" presId="urn:microsoft.com/office/officeart/2008/layout/PictureAccentList"/>
+    <dgm:cxn modelId="{BC19C58E-B433-4884-A82C-40BB52FAA777}" type="presParOf" srcId="{40CCDE5D-8E9B-431A-AF01-AB545897029A}" destId="{B4D771D5-2CD6-4F16-9999-C43DE2D0BF48}" srcOrd="0" destOrd="0" presId="urn:microsoft.com/office/officeart/2008/layout/PictureAccentList"/>
+    <dgm:cxn modelId="{C9B4189B-62E1-473D-9FF9-A7DAE15327BD}" type="presParOf" srcId="{40CCDE5D-8E9B-431A-AF01-AB545897029A}" destId="{B2A47316-6F9A-49DA-97E9-47AE72F67A95}" srcOrd="1" destOrd="0" presId="urn:microsoft.com/office/officeart/2008/layout/PictureAccentList"/>
+  </dgm:cxnLst>
+  <dgm:bg/>
+  <dgm:whole/>
+  <dgm:extLst>
+    <a:ext uri="http://schemas.microsoft.com/office/drawing/2008/diagram">
+      <dsp:dataModelExt xmlns:dsp="http://schemas.microsoft.com/office/drawing/2008/diagram" relId="rId6" minVer="http://schemas.openxmlformats.org/drawingml/2006/diagram"/>
+    </a:ext>
+  </dgm:extLst>
+</dgm:dataModel>
+</file>
+
+<file path=ppt/diagrams/drawing1.xml><?xml version="1.0" encoding="utf-8"?>
+<dsp:drawing xmlns:dgm="http://schemas.openxmlformats.org/drawingml/2006/diagram" xmlns:dsp="http://schemas.microsoft.com/office/drawing/2008/diagram" xmlns:a="http://schemas.openxmlformats.org/drawingml/2006/main">
+  <dsp:spTree>
+    <dsp:nvGrpSpPr>
+      <dsp:cNvPr id="0" name=""/>
+      <dsp:cNvGrpSpPr/>
+    </dsp:nvGrpSpPr>
+    <dsp:grpSpPr/>
+    <dsp:sp modelId="{B47D8431-918D-4EE2-95B5-9648BE94FC52}">
+      <dsp:nvSpPr>
+        <dsp:cNvPr id="0" name=""/>
+        <dsp:cNvSpPr/>
+      </dsp:nvSpPr>
+      <dsp:spPr>
+        <a:xfrm>
+          <a:off x="0" y="209929"/>
+          <a:ext cx="7600272" cy="599797"/>
+        </a:xfrm>
+        <a:prstGeom prst="roundRect">
+          <a:avLst>
+            <a:gd name="adj" fmla="val 10000"/>
+          </a:avLst>
+        </a:prstGeom>
+        <a:solidFill>
+          <a:schemeClr val="accent1">
+            <a:hueOff val="0"/>
+            <a:satOff val="0"/>
+            <a:lumOff val="0"/>
+            <a:alphaOff val="0"/>
+          </a:schemeClr>
+        </a:solidFill>
+        <a:ln w="19050" cap="rnd" cmpd="sng" algn="ctr">
+          <a:solidFill>
+            <a:schemeClr val="lt1">
+              <a:hueOff val="0"/>
+              <a:satOff val="0"/>
+              <a:lumOff val="0"/>
+              <a:alphaOff val="0"/>
+            </a:schemeClr>
+          </a:solidFill>
+          <a:prstDash val="solid"/>
+        </a:ln>
+        <a:effectLst/>
+      </dsp:spPr>
+      <dsp:style>
+        <a:lnRef idx="2">
+          <a:scrgbClr r="0" g="0" b="0"/>
+        </a:lnRef>
+        <a:fillRef idx="1">
+          <a:scrgbClr r="0" g="0" b="0"/>
+        </a:fillRef>
+        <a:effectRef idx="0">
+          <a:scrgbClr r="0" g="0" b="0"/>
+        </a:effectRef>
+        <a:fontRef idx="minor">
+          <a:schemeClr val="lt1"/>
+        </a:fontRef>
+      </dsp:style>
+      <dsp:txBody>
+        <a:bodyPr spcFirstLastPara="0" vert="horz" wrap="square" lIns="64770" tIns="43180" rIns="64770" bIns="43180" numCol="1" spcCol="1270" anchor="ctr" anchorCtr="0">
+          <a:noAutofit/>
+        </a:bodyPr>
+        <a:lstStyle/>
+        <a:p>
+          <a:pPr marL="0" lvl="0" indent="0" algn="ctr" defTabSz="1511300">
+            <a:lnSpc>
+              <a:spcPct val="90000"/>
+            </a:lnSpc>
+            <a:spcBef>
+              <a:spcPct val="0"/>
+            </a:spcBef>
+            <a:spcAft>
+              <a:spcPct val="35000"/>
+            </a:spcAft>
+            <a:buNone/>
+          </a:pPr>
+          <a:r>
+            <a:rPr lang="en-IN" sz="3400" kern="1200" dirty="0"/>
+            <a:t>Rough Bill</a:t>
+          </a:r>
+        </a:p>
+      </dsp:txBody>
+      <dsp:txXfrm>
+        <a:off x="17567" y="227496"/>
+        <a:ext cx="7565138" cy="564663"/>
+      </dsp:txXfrm>
+    </dsp:sp>
+    <dsp:sp modelId="{9207DB5F-1D1C-41ED-A842-661F3BD1E577}">
+      <dsp:nvSpPr>
+        <dsp:cNvPr id="0" name=""/>
+        <dsp:cNvSpPr/>
+      </dsp:nvSpPr>
+      <dsp:spPr>
+        <a:xfrm>
+          <a:off x="0" y="917690"/>
+          <a:ext cx="599797" cy="599797"/>
+        </a:xfrm>
+        <a:prstGeom prst="roundRect">
+          <a:avLst>
+            <a:gd name="adj" fmla="val 16670"/>
+          </a:avLst>
+        </a:prstGeom>
+        <a:blipFill>
+          <a:blip xmlns:r="http://schemas.openxmlformats.org/officeDocument/2006/relationships" r:embed="rId1">
+            <a:extLst>
+              <a:ext uri="{28A0092B-C50C-407E-A947-70E740481C1C}">
+                <a14:useLocalDpi xmlns:a14="http://schemas.microsoft.com/office/drawing/2010/main" val="0"/>
+              </a:ext>
+              <a:ext uri="{837473B0-CC2E-450A-ABE3-18F120FF3D39}">
+                <a1611:picAttrSrcUrl xmlns:a1611="http://schemas.microsoft.com/office/drawing/2016/11/main" r:id="rId2"/>
+              </a:ext>
+            </a:extLst>
+          </a:blip>
+          <a:srcRect/>
+          <a:stretch>
+            <a:fillRect/>
+          </a:stretch>
+        </a:blipFill>
+        <a:ln w="19050" cap="rnd" cmpd="sng" algn="ctr">
+          <a:solidFill>
+            <a:schemeClr val="lt1">
+              <a:hueOff val="0"/>
+              <a:satOff val="0"/>
+              <a:lumOff val="0"/>
+              <a:alphaOff val="0"/>
+            </a:schemeClr>
+          </a:solidFill>
+          <a:prstDash val="solid"/>
+        </a:ln>
+        <a:effectLst/>
+      </dsp:spPr>
+      <dsp:style>
+        <a:lnRef idx="2">
+          <a:scrgbClr r="0" g="0" b="0"/>
+        </a:lnRef>
+        <a:fillRef idx="1">
+          <a:scrgbClr r="0" g="0" b="0"/>
+        </a:fillRef>
+        <a:effectRef idx="0">
+          <a:scrgbClr r="0" g="0" b="0"/>
+        </a:effectRef>
+        <a:fontRef idx="minor">
+          <a:schemeClr val="lt1"/>
+        </a:fontRef>
+      </dsp:style>
+    </dsp:sp>
+    <dsp:sp modelId="{64AB514E-DC97-4C09-9752-AAFB9647B2D9}">
+      <dsp:nvSpPr>
+        <dsp:cNvPr id="0" name=""/>
+        <dsp:cNvSpPr/>
+      </dsp:nvSpPr>
+      <dsp:spPr>
+        <a:xfrm>
+          <a:off x="635785" y="917690"/>
+          <a:ext cx="6964486" cy="599797"/>
+        </a:xfrm>
+        <a:prstGeom prst="roundRect">
+          <a:avLst>
+            <a:gd name="adj" fmla="val 16670"/>
+          </a:avLst>
+        </a:prstGeom>
+        <a:solidFill>
+          <a:schemeClr val="accent1">
+            <a:hueOff val="0"/>
+            <a:satOff val="0"/>
+            <a:lumOff val="0"/>
+            <a:alphaOff val="0"/>
+          </a:schemeClr>
+        </a:solidFill>
+        <a:ln w="19050" cap="rnd" cmpd="sng" algn="ctr">
+          <a:solidFill>
+            <a:schemeClr val="lt1">
+              <a:hueOff val="0"/>
+              <a:satOff val="0"/>
+              <a:lumOff val="0"/>
+              <a:alphaOff val="0"/>
+            </a:schemeClr>
+          </a:solidFill>
+          <a:prstDash val="solid"/>
+        </a:ln>
+        <a:effectLst/>
+      </dsp:spPr>
+      <dsp:style>
+        <a:lnRef idx="2">
+          <a:scrgbClr r="0" g="0" b="0"/>
+        </a:lnRef>
+        <a:fillRef idx="1">
+          <a:scrgbClr r="0" g="0" b="0"/>
+        </a:fillRef>
+        <a:effectRef idx="0">
+          <a:scrgbClr r="0" g="0" b="0"/>
+        </a:effectRef>
+        <a:fontRef idx="minor">
+          <a:schemeClr val="lt1"/>
+        </a:fontRef>
+      </dsp:style>
+      <dsp:txBody>
+        <a:bodyPr spcFirstLastPara="0" vert="horz" wrap="square" lIns="135128" tIns="135128" rIns="135128" bIns="135128" numCol="1" spcCol="1270" anchor="ctr" anchorCtr="0">
+          <a:noAutofit/>
+        </a:bodyPr>
+        <a:lstStyle/>
+        <a:p>
+          <a:pPr marL="0" lvl="0" indent="0" algn="ctr" defTabSz="844550">
+            <a:lnSpc>
+              <a:spcPct val="90000"/>
+            </a:lnSpc>
+            <a:spcBef>
+              <a:spcPct val="0"/>
+            </a:spcBef>
+            <a:spcAft>
+              <a:spcPct val="35000"/>
+            </a:spcAft>
+            <a:buNone/>
+          </a:pPr>
+          <a:r>
+            <a:rPr lang="en-IN" sz="1900" kern="1200" dirty="0"/>
+            <a:t>CCTV Camera ---------------------------------- Rs 2000</a:t>
+          </a:r>
+        </a:p>
+      </dsp:txBody>
+      <dsp:txXfrm>
+        <a:off x="665070" y="946975"/>
+        <a:ext cx="6905916" cy="541227"/>
+      </dsp:txXfrm>
+    </dsp:sp>
+    <dsp:sp modelId="{B4D771D5-2CD6-4F16-9999-C43DE2D0BF48}">
+      <dsp:nvSpPr>
+        <dsp:cNvPr id="0" name=""/>
+        <dsp:cNvSpPr/>
+      </dsp:nvSpPr>
+      <dsp:spPr>
+        <a:xfrm>
+          <a:off x="0" y="1589463"/>
+          <a:ext cx="599797" cy="599797"/>
+        </a:xfrm>
+        <a:prstGeom prst="roundRect">
+          <a:avLst>
+            <a:gd name="adj" fmla="val 16670"/>
+          </a:avLst>
+        </a:prstGeom>
+        <a:blipFill rotWithShape="1">
+          <a:blip xmlns:r="http://schemas.openxmlformats.org/officeDocument/2006/relationships" r:embed="rId3"/>
+          <a:srcRect/>
+          <a:stretch>
+            <a:fillRect l="-17000" r="-17000"/>
+          </a:stretch>
+        </a:blipFill>
+        <a:ln w="19050" cap="rnd" cmpd="sng" algn="ctr">
+          <a:solidFill>
+            <a:schemeClr val="lt1">
+              <a:hueOff val="0"/>
+              <a:satOff val="0"/>
+              <a:lumOff val="0"/>
+              <a:alphaOff val="0"/>
+            </a:schemeClr>
+          </a:solidFill>
+          <a:prstDash val="solid"/>
+        </a:ln>
+        <a:effectLst/>
+      </dsp:spPr>
+      <dsp:style>
+        <a:lnRef idx="2">
+          <a:scrgbClr r="0" g="0" b="0"/>
+        </a:lnRef>
+        <a:fillRef idx="1">
+          <a:scrgbClr r="0" g="0" b="0"/>
+        </a:fillRef>
+        <a:effectRef idx="0">
+          <a:scrgbClr r="0" g="0" b="0"/>
+        </a:effectRef>
+        <a:fontRef idx="minor">
+          <a:schemeClr val="lt1"/>
+        </a:fontRef>
+      </dsp:style>
+    </dsp:sp>
+    <dsp:sp modelId="{B2A47316-6F9A-49DA-97E9-47AE72F67A95}">
+      <dsp:nvSpPr>
+        <dsp:cNvPr id="0" name=""/>
+        <dsp:cNvSpPr/>
+      </dsp:nvSpPr>
+      <dsp:spPr>
+        <a:xfrm>
+          <a:off x="635785" y="1589463"/>
+          <a:ext cx="6964486" cy="599797"/>
+        </a:xfrm>
+        <a:prstGeom prst="roundRect">
+          <a:avLst>
+            <a:gd name="adj" fmla="val 16670"/>
+          </a:avLst>
+        </a:prstGeom>
+        <a:solidFill>
+          <a:schemeClr val="accent1">
+            <a:hueOff val="0"/>
+            <a:satOff val="0"/>
+            <a:lumOff val="0"/>
+            <a:alphaOff val="0"/>
+          </a:schemeClr>
+        </a:solidFill>
+        <a:ln w="19050" cap="rnd" cmpd="sng" algn="ctr">
+          <a:solidFill>
+            <a:schemeClr val="lt1">
+              <a:hueOff val="0"/>
+              <a:satOff val="0"/>
+              <a:lumOff val="0"/>
+              <a:alphaOff val="0"/>
+            </a:schemeClr>
+          </a:solidFill>
+          <a:prstDash val="solid"/>
+        </a:ln>
+        <a:effectLst/>
+      </dsp:spPr>
+      <dsp:style>
+        <a:lnRef idx="2">
+          <a:scrgbClr r="0" g="0" b="0"/>
+        </a:lnRef>
+        <a:fillRef idx="1">
+          <a:scrgbClr r="0" g="0" b="0"/>
+        </a:fillRef>
+        <a:effectRef idx="0">
+          <a:scrgbClr r="0" g="0" b="0"/>
+        </a:effectRef>
+        <a:fontRef idx="minor">
+          <a:schemeClr val="lt1"/>
+        </a:fontRef>
+      </dsp:style>
+      <dsp:txBody>
+        <a:bodyPr spcFirstLastPara="0" vert="horz" wrap="square" lIns="135128" tIns="135128" rIns="135128" bIns="135128" numCol="1" spcCol="1270" anchor="ctr" anchorCtr="0">
+          <a:noAutofit/>
+        </a:bodyPr>
+        <a:lstStyle/>
+        <a:p>
+          <a:pPr marL="0" lvl="0" indent="0" algn="ctr" defTabSz="844550">
+            <a:lnSpc>
+              <a:spcPct val="90000"/>
+            </a:lnSpc>
+            <a:spcBef>
+              <a:spcPct val="0"/>
+            </a:spcBef>
+            <a:spcAft>
+              <a:spcPct val="35000"/>
+            </a:spcAft>
+            <a:buNone/>
+          </a:pPr>
+          <a:r>
+            <a:rPr lang="en-IN" sz="1900" kern="1200" dirty="0" err="1"/>
+            <a:t>Neurostick</a:t>
+          </a:r>
+          <a:r>
+            <a:rPr lang="en-IN" sz="1900" kern="1200" dirty="0"/>
+            <a:t> ----------------------------------------Rs 6000</a:t>
+          </a:r>
+        </a:p>
+      </dsp:txBody>
+      <dsp:txXfrm>
+        <a:off x="665070" y="1618748"/>
+        <a:ext cx="6905916" cy="541227"/>
+      </dsp:txXfrm>
+    </dsp:sp>
+  </dsp:spTree>
+</dsp:drawing>
+</file>
+
+<file path=ppt/diagrams/layout1.xml><?xml version="1.0" encoding="utf-8"?>
+<dgm:layoutDef xmlns:dgm="http://schemas.openxmlformats.org/drawingml/2006/diagram" xmlns:a="http://schemas.openxmlformats.org/drawingml/2006/main" uniqueId="urn:microsoft.com/office/officeart/2008/layout/PictureAccentList">
+  <dgm:title val=""/>
+  <dgm:desc val=""/>
+  <dgm:catLst>
+    <dgm:cat type="picture" pri="14000"/>
+    <dgm:cat type="list" pri="14500"/>
+  </dgm:catLst>
+  <dgm:sampData>
+    <dgm:dataModel>
+      <dgm:ptLst>
+        <dgm:pt modelId="0" type="doc"/>
+        <dgm:pt modelId="1">
+          <dgm:prSet phldr="1"/>
+        </dgm:pt>
+        <dgm:pt modelId="11">
+          <dgm:prSet phldr="1"/>
+        </dgm:pt>
+        <dgm:pt modelId="12">
+          <dgm:prSet phldr="1"/>
+        </dgm:pt>
+      </dgm:ptLst>
+      <dgm:cxnLst>
+        <dgm:cxn modelId="4" srcId="0" destId="1" srcOrd="0" destOrd="0"/>
+        <dgm:cxn modelId="5" srcId="1" destId="11" srcOrd="0" destOrd="0"/>
+        <dgm:cxn modelId="6" srcId="1" destId="12" srcOrd="1" destOrd="0"/>
+      </dgm:cxnLst>
+      <dgm:bg/>
+      <dgm:whole/>
+    </dgm:dataModel>
+  </dgm:sampData>
+  <dgm:styleData>
+    <dgm:dataModel>
+      <dgm:ptLst>
+        <dgm:pt modelId="0" type="doc"/>
+        <dgm:pt modelId="1"/>
+        <dgm:pt modelId="11"/>
+        <dgm:pt modelId="12"/>
+        <dgm:pt modelId="13"/>
+      </dgm:ptLst>
+      <dgm:cxnLst>
+        <dgm:cxn modelId="4" srcId="0" destId="1" srcOrd="0" destOrd="0"/>
+        <dgm:cxn modelId="5" srcId="1" destId="11" srcOrd="0" destOrd="0"/>
+        <dgm:cxn modelId="6" srcId="1" destId="12" srcOrd="0" destOrd="0"/>
+        <dgm:cxn modelId="14" srcId="1" destId="13" srcOrd="0" destOrd="0"/>
+      </dgm:cxnLst>
+      <dgm:bg/>
+      <dgm:whole/>
+    </dgm:dataModel>
+  </dgm:styleData>
+  <dgm:clrData>
+    <dgm:dataModel>
+      <dgm:ptLst>
+        <dgm:pt modelId="0" type="doc"/>
+        <dgm:pt modelId="1"/>
+        <dgm:pt modelId="11"/>
+        <dgm:pt modelId="12"/>
+        <dgm:pt modelId="13"/>
+      </dgm:ptLst>
+      <dgm:cxnLst>
+        <dgm:cxn modelId="4" srcId="0" destId="1" srcOrd="0" destOrd="0"/>
+        <dgm:cxn modelId="5" srcId="1" destId="11" srcOrd="0" destOrd="0"/>
+        <dgm:cxn modelId="6" srcId="1" destId="12" srcOrd="0" destOrd="0"/>
+        <dgm:cxn modelId="14" srcId="1" destId="13" srcOrd="0" destOrd="0"/>
+      </dgm:cxnLst>
+      <dgm:bg/>
+      <dgm:whole/>
+    </dgm:dataModel>
+  </dgm:clrData>
+  <dgm:layoutNode name="layout">
+    <dgm:varLst>
+      <dgm:chMax/>
+      <dgm:chPref/>
+      <dgm:dir/>
+      <dgm:animOne val="branch"/>
+      <dgm:animLvl val="lvl"/>
+      <dgm:resizeHandles/>
+    </dgm:varLst>
+    <dgm:choose name="Name0">
+      <dgm:if name="Name1" func="var" arg="dir" op="equ" val="norm">
+        <dgm:alg type="hierChild">
+          <dgm:param type="linDir" val="fromL"/>
+        </dgm:alg>
+      </dgm:if>
+      <dgm:else name="Name2">
+        <dgm:alg type="hierChild">
+          <dgm:param type="linDir" val="fromL"/>
+        </dgm:alg>
+      </dgm:else>
+    </dgm:choose>
+    <dgm:shape xmlns:r="http://schemas.openxmlformats.org/officeDocument/2006/relationships" r:blip="">
+      <dgm:adjLst/>
+    </dgm:shape>
+    <dgm:presOf/>
+    <dgm:constrLst>
+      <dgm:constr type="primFontSz" for="des" forName="rootText" op="equ" val="65"/>
+      <dgm:constr type="primFontSz" for="des" forName="childText" op="equ" val="65"/>
+      <dgm:constr type="primFontSz" for="des" forName="childText" refType="primFontSz" refFor="des" refForName="rootText" op="lte"/>
+      <dgm:constr type="w" for="des" forName="rootComposite" refType="w" fact="4"/>
+      <dgm:constr type="h" for="des" forName="rootComposite" refType="h"/>
+      <dgm:constr type="w" for="des" forName="childComposite" refType="w" refFor="des" refForName="rootComposite"/>
+      <dgm:constr type="h" for="des" forName="childComposite" refType="h" refFor="des" refForName="rootComposite"/>
+      <dgm:constr type="sibSp" refType="w" refFor="des" refForName="rootComposite" fact="0.1"/>
+      <dgm:constr type="sibSp" for="des" forName="childShape" refType="h" refFor="des" refForName="rootComposite" fact="0.12"/>
+      <dgm:constr type="sp" for="des" forName="root" refType="h" refFor="des" refForName="rootComposite" fact="0.18"/>
+    </dgm:constrLst>
+    <dgm:ruleLst/>
+    <dgm:forEach name="Name3" axis="ch">
+      <dgm:forEach name="Name4" axis="self" ptType="node" cnt="1">
+        <dgm:layoutNode name="root">
+          <dgm:varLst>
+            <dgm:chMax/>
+            <dgm:chPref val="4"/>
+          </dgm:varLst>
+          <dgm:alg type="hierRoot"/>
+          <dgm:shape xmlns:r="http://schemas.openxmlformats.org/officeDocument/2006/relationships" r:blip="">
+            <dgm:adjLst/>
+          </dgm:shape>
+          <dgm:presOf/>
+          <dgm:constrLst/>
+          <dgm:ruleLst/>
+          <dgm:layoutNode name="rootComposite">
+            <dgm:varLst/>
+            <dgm:alg type="composite"/>
+            <dgm:shape xmlns:r="http://schemas.openxmlformats.org/officeDocument/2006/relationships" r:blip="">
+              <dgm:adjLst/>
+            </dgm:shape>
+            <dgm:presOf axis="self" ptType="node" cnt="1"/>
+            <dgm:constrLst>
+              <dgm:constr type="l" for="ch" forName="rootText"/>
+              <dgm:constr type="t" for="ch" forName="rootText"/>
+              <dgm:constr type="w" for="ch" forName="rootText" refType="w"/>
+              <dgm:constr type="h" for="ch" forName="rootText" refType="h"/>
+            </dgm:constrLst>
+            <dgm:ruleLst/>
+            <dgm:layoutNode name="rootText" styleLbl="node0">
+              <dgm:varLst>
+                <dgm:chMax/>
+                <dgm:chPref val="4"/>
+              </dgm:varLst>
+              <dgm:alg type="tx"/>
+              <dgm:shape xmlns:r="http://schemas.openxmlformats.org/officeDocument/2006/relationships" type="roundRect" r:blip="">
+                <dgm:adjLst>
+                  <dgm:adj idx="1" val="0.1"/>
+                </dgm:adjLst>
+              </dgm:shape>
+              <dgm:presOf axis="self" ptType="node" cnt="1"/>
+              <dgm:constrLst>
+                <dgm:constr type="tMarg" refType="primFontSz" fact="0.1"/>
+                <dgm:constr type="bMarg" refType="primFontSz" fact="0.1"/>
+                <dgm:constr type="lMarg" refType="primFontSz" fact="0.15"/>
+                <dgm:constr type="rMarg" refType="primFontSz" fact="0.15"/>
+              </dgm:constrLst>
+              <dgm:ruleLst>
+                <dgm:rule type="primFontSz" val="5" fact="NaN" max="NaN"/>
+                <dgm:rule type="primFontSz" val="65" fact="NaN" max="NaN"/>
+              </dgm:ruleLst>
+            </dgm:layoutNode>
+          </dgm:layoutNode>
+          <dgm:layoutNode name="childShape">
+            <dgm:varLst>
+              <dgm:chMax val="0"/>
+              <dgm:chPref val="0"/>
+            </dgm:varLst>
+            <dgm:alg type="hierChild">
+              <dgm:param type="chAlign" val="r"/>
+              <dgm:param type="linDir" val="fromT"/>
+              <dgm:param type="fallback" val="2D"/>
+            </dgm:alg>
+            <dgm:shape xmlns:r="http://schemas.openxmlformats.org/officeDocument/2006/relationships" r:blip="">
+              <dgm:adjLst/>
+            </dgm:shape>
+            <dgm:presOf/>
+            <dgm:constrLst/>
+            <dgm:ruleLst/>
+            <dgm:forEach name="Name5" axis="ch">
+              <dgm:forEach name="Name6" axis="self" ptType="node">
+                <dgm:layoutNode name="childComposite">
+                  <dgm:varLst>
+                    <dgm:chMax val="0"/>
+                    <dgm:chPref val="0"/>
+                  </dgm:varLst>
+                  <dgm:alg type="composite"/>
+                  <dgm:shape xmlns:r="http://schemas.openxmlformats.org/officeDocument/2006/relationships" r:blip="">
+                    <dgm:adjLst/>
+                  </dgm:shape>
+                  <dgm:presOf/>
+                  <dgm:choose name="Name7">
+                    <dgm:if name="Name8" func="var" arg="dir" op="equ" val="norm">
+                      <dgm:constrLst>
+                        <dgm:constr type="w" for="ch" forName="Image" refType="h"/>
+                        <dgm:constr type="h" for="ch" forName="Image" refType="h"/>
+                        <dgm:constr type="l" for="ch" forName="Image"/>
+                        <dgm:constr type="t" for="ch" forName="Image"/>
+                        <dgm:constr type="h" for="ch" forName="childText" refType="h"/>
+                        <dgm:constr type="l" for="ch" forName="childText" refType="w" refFor="ch" refForName="Image" fact="1.06"/>
+                        <dgm:constr type="t" for="ch" forName="childText"/>
+                      </dgm:constrLst>
+                    </dgm:if>
+                    <dgm:else name="Name9">
+                      <dgm:constrLst>
+                        <dgm:constr type="w" for="ch" forName="Image" refType="h"/>
+                        <dgm:constr type="h" for="ch" forName="Image" refType="h"/>
+                        <dgm:constr type="r" for="ch" forName="Image" refType="w"/>
+                        <dgm:constr type="t" for="ch" forName="Image"/>
+                        <dgm:constr type="h" for="ch" forName="childText" refType="h"/>
+                        <dgm:constr type="t" for="ch" forName="childText"/>
+                        <dgm:constr type="wOff" for="ch" forName="childText" refType="w" refFor="ch" refForName="Image" fact="-1.06"/>
+                      </dgm:constrLst>
+                    </dgm:else>
+                  </dgm:choose>
+                  <dgm:ruleLst/>
+                  <dgm:layoutNode name="Image" styleLbl="node1">
+                    <dgm:alg type="sp"/>
+                    <dgm:shape xmlns:r="http://schemas.openxmlformats.org/officeDocument/2006/relationships" type="roundRect" r:blip="" blipPhldr="1">
+                      <dgm:adjLst>
+                        <dgm:adj idx="1" val="0.1667"/>
+                      </dgm:adjLst>
+                    </dgm:shape>
+                    <dgm:presOf/>
+                  </dgm:layoutNode>
+                  <dgm:layoutNode name="childText" styleLbl="lnNode1">
+                    <dgm:varLst>
+                      <dgm:chMax val="0"/>
+                      <dgm:chPref val="0"/>
+                      <dgm:bulletEnabled val="1"/>
+                    </dgm:varLst>
+                    <dgm:alg type="tx"/>
+                    <dgm:shape xmlns:r="http://schemas.openxmlformats.org/officeDocument/2006/relationships" type="roundRect" r:blip="">
+                      <dgm:adjLst>
+                        <dgm:adj idx="1" val="0.1667"/>
+                      </dgm:adjLst>
+                    </dgm:shape>
+                    <dgm:presOf axis="self desOrSelf" ptType="node node" st="1 1" cnt="1 0"/>
+                    <dgm:ruleLst>
+                      <dgm:rule type="primFontSz" val="5" fact="NaN" max="NaN"/>
+                    </dgm:ruleLst>
+                  </dgm:layoutNode>
+                </dgm:layoutNode>
+              </dgm:forEach>
+            </dgm:forEach>
+          </dgm:layoutNode>
+        </dgm:layoutNode>
+      </dgm:forEach>
+    </dgm:forEach>
+  </dgm:layoutNode>
+</dgm:layoutDef>
+</file>
+
+<file path=ppt/diagrams/quickStyle1.xml><?xml version="1.0" encoding="utf-8"?>
+<dgm:styleDef xmlns:dgm="http://schemas.openxmlformats.org/drawingml/2006/diagram" xmlns:a="http://schemas.openxmlformats.org/drawingml/2006/main" uniqueId="urn:microsoft.com/office/officeart/2005/8/quickstyle/simple1">
+  <dgm:title val=""/>
+  <dgm:desc val=""/>
+  <dgm:catLst>
+    <dgm:cat type="simple" pri="10100"/>
+  </dgm:catLst>
+  <dgm:scene3d>
+    <a:camera prst="orthographicFront"/>
+    <a:lightRig rig="threePt" dir="t"/>
+  </dgm:scene3d>
+  <dgm:styleLbl name="node0">
+    <dgm:scene3d>
+      <a:camera prst="orthographicFront"/>
+      <a:lightRig rig="threePt" dir="t"/>
+    </dgm:scene3d>
+    <dgm:sp3d/>
+    <dgm:txPr/>
+    <dgm:style>
+      <a:lnRef idx="2">
+        <a:scrgbClr r="0" g="0" b="0"/>
+      </a:lnRef>
+      <a:fillRef idx="1">
+        <a:scrgbClr r="0" g="0" b="0"/>
+      </a:fillRef>
+      <a:effectRef idx="0">
+        <a:scrgbClr r="0" g="0" b="0"/>
+      </a:effectRef>
+      <a:fontRef idx="minor">
+        <a:schemeClr val="lt1"/>
+      </a:fontRef>
+    </dgm:style>
+  </dgm:styleLbl>
+  <dgm:styleLbl name="lnNode1">
+    <dgm:scene3d>
+      <a:camera prst="orthographicFront"/>
+      <a:lightRig rig="threePt" dir="t"/>
+    </dgm:scene3d>
+    <dgm:sp3d/>
+    <dgm:txPr/>
+    <dgm:style>
+      <a:lnRef idx="2">
+        <a:scrgbClr r="0" g="0" b="0"/>
+      </a:lnRef>
+      <a:fillRef idx="1">
+        <a:scrgbClr r="0" g="0" b="0"/>
+      </a:fillRef>
+      <a:effectRef idx="0">
+        <a:scrgbClr r="0" g="0" b="0"/>
+      </a:effectRef>
+      <a:fontRef idx="minor">
+        <a:schemeClr val="lt1"/>
+      </a:fontRef>
+    </dgm:style>
+  </dgm:styleLbl>
+  <dgm:styleLbl name="vennNode1">
+    <dgm:scene3d>
+      <a:camera prst="orthographicFront"/>
+      <a:lightRig rig="threePt" dir="t"/>
+    </dgm:scene3d>
+    <dgm:sp3d/>
+    <dgm:txPr/>
+    <dgm:style>
+      <a:lnRef idx="2">
+        <a:scrgbClr r="0" g="0" b="0"/>
+      </a:lnRef>
+      <a:fillRef idx="1">
+        <a:scrgbClr r="0" g="0" b="0"/>
+      </a:fillRef>
+      <a:effectRef idx="0">
+        <a:scrgbClr r="0" g="0" b="0"/>
+      </a:effectRef>
+      <a:fontRef idx="minor">
+        <a:schemeClr val="tx1"/>
+      </a:fontRef>
+    </dgm:style>
+  </dgm:styleLbl>
+  <dgm:styleLbl name="alignNode1">
+    <dgm:scene3d>
+      <a:camera prst="orthographicFront"/>
+      <a:lightRig rig="threePt" dir="t"/>
+    </dgm:scene3d>
+    <dgm:sp3d/>
+    <dgm:txPr/>
+    <dgm:style>
+      <a:lnRef idx="2">
+        <a:scrgbClr r="0" g="0" b="0"/>
+      </a:lnRef>
+      <a:fillRef idx="1">
+        <a:scrgbClr r="0" g="0" b="0"/>
+      </a:fillRef>
+      <a:effectRef idx="0">
+        <a:scrgbClr r="0" g="0" b="0"/>
+      </a:effectRef>
+      <a:fontRef idx="minor">
+        <a:schemeClr val="lt1"/>
+      </a:fontRef>
+    </dgm:style>
+  </dgm:styleLbl>
+  <dgm:styleLbl name="node1">
+    <dgm:scene3d>
+      <a:camera prst="orthographicFront"/>
+      <a:lightRig rig="threePt" dir="t"/>
+    </dgm:scene3d>
+    <dgm:sp3d/>
+    <dgm:txPr/>
+    <dgm:style>
+      <a:lnRef idx="2">
+        <a:scrgbClr r="0" g="0" b="0"/>
+      </a:lnRef>
+      <a:fillRef idx="1">
+        <a:scrgbClr r="0" g="0" b="0"/>
+      </a:fillRef>
+      <a:effectRef idx="0">
+        <a:scrgbClr r="0" g="0" b="0"/>
+      </a:effectRef>
+      <a:fontRef idx="minor">
+        <a:schemeClr val="lt1"/>
+      </a:fontRef>
+    </dgm:style>
+  </dgm:styleLbl>
+  <dgm:styleLbl name="node2">
+    <dgm:scene3d>
+      <a:camera prst="orthographicFront"/>
+      <a:lightRig rig="threePt" dir="t"/>
+    </dgm:scene3d>
+    <dgm:sp3d/>
+    <dgm:txPr/>
+    <dgm:style>
+      <a:lnRef idx="2">
+        <a:scrgbClr r="0" g="0" b="0"/>
+      </a:lnRef>
+      <a:fillRef idx="1">
+        <a:scrgbClr r="0" g="0" b="0"/>
+      </a:fillRef>
+      <a:effectRef idx="0">
+        <a:scrgbClr r="0" g="0" b="0"/>
+      </a:effectRef>
+      <a:fontRef idx="minor">
+        <a:schemeClr val="lt1"/>
+      </a:fontRef>
+    </dgm:style>
+  </dgm:styleLbl>
+  <dgm:styleLbl name="node3">
+    <dgm:scene3d>
+      <a:camera prst="orthographicFront"/>
+      <a:lightRig rig="threePt" dir="t"/>
+    </dgm:scene3d>
+    <dgm:sp3d/>
+    <dgm:txPr/>
+    <dgm:style>
+      <a:lnRef idx="2">
+        <a:scrgbClr r="0" g="0" b="0"/>
+      </a:lnRef>
+      <a:fillRef idx="1">
+        <a:scrgbClr r="0" g="0" b="0"/>
+      </a:fillRef>
+      <a:effectRef idx="0">
+        <a:scrgbClr r="0" g="0" b="0"/>
+      </a:effectRef>
+      <a:fontRef idx="minor">
+        <a:schemeClr val="lt1"/>
+      </a:fontRef>
+    </dgm:style>
+  </dgm:styleLbl>
+  <dgm:styleLbl name="node4">
+    <dgm:scene3d>
+      <a:camera prst="orthographicFront"/>
+      <a:lightRig rig="threePt" dir="t"/>
+    </dgm:scene3d>
+    <dgm:sp3d/>
+    <dgm:txPr/>
+    <dgm:style>
+      <a:lnRef idx="2">
+        <a:scrgbClr r="0" g="0" b="0"/>
+      </a:lnRef>
+      <a:fillRef idx="1">
+        <a:scrgbClr r="0" g="0" b="0"/>
+      </a:fillRef>
+      <a:effectRef idx="0">
+        <a:scrgbClr r="0" g="0" b="0"/>
+      </a:effectRef>
+      <a:fontRef idx="minor">
+        <a:schemeClr val="lt1"/>
+      </a:fontRef>
+    </dgm:style>
+  </dgm:styleLbl>
+  <dgm:styleLbl name="fgImgPlace1">
+    <dgm:scene3d>
+      <a:camera prst="orthographicFront"/>
+      <a:lightRig rig="threePt" dir="t"/>
+    </dgm:scene3d>
+    <dgm:sp3d/>
+    <dgm:txPr/>
+    <dgm:style>
+      <a:lnRef idx="2">
+        <a:scrgbClr r="0" g="0" b="0"/>
+      </a:lnRef>
+      <a:fillRef idx="1">
+        <a:scrgbClr r="0" g="0" b="0"/>
+      </a:fillRef>
+      <a:effectRef idx="0">
+        <a:scrgbClr r="0" g="0" b="0"/>
+      </a:effectRef>
+      <a:fontRef idx="minor"/>
+    </dgm:style>
+  </dgm:styleLbl>
+  <dgm:styleLbl name="alignImgPlace1">
+    <dgm:scene3d>
+      <a:camera prst="orthographicFront"/>
+      <a:lightRig rig="threePt" dir="t"/>
+    </dgm:scene3d>
+    <dgm:sp3d/>
+    <dgm:txPr/>
+    <dgm:style>
+      <a:lnRef idx="2">
+        <a:scrgbClr r="0" g="0" b="0"/>
+      </a:lnRef>
+      <a:fillRef idx="1">
+        <a:scrgbClr r="0" g="0" b="0"/>
+      </a:fillRef>
+      <a:effectRef idx="0">
+        <a:scrgbClr r="0" g="0" b="0"/>
+      </a:effectRef>
+      <a:fontRef idx="minor"/>
+    </dgm:style>
+  </dgm:styleLbl>
+  <dgm:styleLbl name="bgImgPlace1">
+    <dgm:scene3d>
+      <a:camera prst="orthographicFront"/>
+      <a:lightRig rig="threePt" dir="t"/>
+    </dgm:scene3d>
+    <dgm:sp3d/>
+    <dgm:txPr/>
+    <dgm:style>
+      <a:lnRef idx="2">
+        <a:scrgbClr r="0" g="0" b="0"/>
+      </a:lnRef>
+      <a:fillRef idx="1">
+        <a:scrgbClr r="0" g="0" b="0"/>
+      </a:fillRef>
+      <a:effectRef idx="0">
+        <a:scrgbClr r="0" g="0" b="0"/>
+      </a:effectRef>
+      <a:fontRef idx="minor"/>
+    </dgm:style>
+  </dgm:styleLbl>
+  <dgm:styleLbl name="sibTrans2D1">
+    <dgm:scene3d>
+      <a:camera prst="orthographicFront"/>
+      <a:lightRig rig="threePt" dir="t"/>
+    </dgm:scene3d>
+    <dgm:sp3d/>
+    <dgm:txPr/>
+    <dgm:style>
+      <a:lnRef idx="0">
+        <a:scrgbClr r="0" g="0" b="0"/>
+      </a:lnRef>
+      <a:fillRef idx="1">
+        <a:scrgbClr r="0" g="0" b="0"/>
+      </a:fillRef>
+      <a:effectRef idx="0">
+        <a:scrgbClr r="0" g="0" b="0"/>
+      </a:effectRef>
+      <a:fontRef idx="minor">
+        <a:schemeClr val="lt1"/>
+      </a:fontRef>
+    </dgm:style>
+  </dgm:styleLbl>
+  <dgm:styleLbl name="fgSibTrans2D1">
+    <dgm:scene3d>
+      <a:camera prst="orthographicFront"/>
+      <a:lightRig rig="threePt" dir="t"/>
+    </dgm:scene3d>
+    <dgm:sp3d/>
+    <dgm:txPr/>
+    <dgm:style>
+      <a:lnRef idx="0">
+        <a:scrgbClr r="0" g="0" b="0"/>
+      </a:lnRef>
+      <a:fillRef idx="1">
+        <a:scrgbClr r="0" g="0" b="0"/>
+      </a:fillRef>
+      <a:effectRef idx="0">
+        <a:scrgbClr r="0" g="0" b="0"/>
+      </a:effectRef>
+      <a:fontRef idx="minor">
+        <a:schemeClr val="lt1"/>
+      </a:fontRef>
+    </dgm:style>
+  </dgm:styleLbl>
+  <dgm:styleLbl name="bgSibTrans2D1">
+    <dgm:scene3d>
+      <a:camera prst="orthographicFront"/>
+      <a:lightRig rig="threePt" dir="t"/>
+    </dgm:scene3d>
+    <dgm:sp3d/>
+    <dgm:txPr/>
+    <dgm:style>
+      <a:lnRef idx="0">
+        <a:scrgbClr r="0" g="0" b="0"/>
+      </a:lnRef>
+      <a:fillRef idx="1">
+        <a:scrgbClr r="0" g="0" b="0"/>
+      </a:fillRef>
+      <a:effectRef idx="0">
+        <a:scrgbClr r="0" g="0" b="0"/>
+      </a:effectRef>
+      <a:fontRef idx="minor">
+        <a:schemeClr val="lt1"/>
+      </a:fontRef>
+    </dgm:style>
+  </dgm:styleLbl>
+  <dgm:styleLbl name="sibTrans1D1">
+    <dgm:scene3d>
+      <a:camera prst="orthographicFront"/>
+      <a:lightRig rig="threePt" dir="t"/>
+    </dgm:scene3d>
+    <dgm:sp3d/>
+    <dgm:txPr/>
+    <dgm:style>
+      <a:lnRef idx="1">
+        <a:scrgbClr r="0" g="0" b="0"/>
+      </a:lnRef>
+      <a:fillRef idx="0">
+        <a:scrgbClr r="0" g="0" b="0"/>
+      </a:fillRef>
+      <a:effectRef idx="0">
+        <a:scrgbClr r="0" g="0" b="0"/>
+      </a:effectRef>
+      <a:fontRef idx="minor"/>
+    </dgm:style>
+  </dgm:styleLbl>
+  <dgm:styleLbl name="callout">
+    <dgm:scene3d>
+      <a:camera prst="orthographicFront"/>
+      <a:lightRig rig="threePt" dir="t"/>
+    </dgm:scene3d>
+    <dgm:sp3d/>
+    <dgm:txPr/>
+    <dgm:style>
+      <a:lnRef idx="2">
+        <a:scrgbClr r="0" g="0" b="0"/>
+      </a:lnRef>
+      <a:fillRef idx="1">
+        <a:scrgbClr r="0" g="0" b="0"/>
+      </a:fillRef>
+      <a:effectRef idx="0">
+        <a:scrgbClr r="0" g="0" b="0"/>
+      </a:effectRef>
+      <a:fontRef idx="minor"/>
+    </dgm:style>
+  </dgm:styleLbl>
+  <dgm:styleLbl name="asst0">
+    <dgm:scene3d>
+      <a:camera prst="orthographicFront"/>
+      <a:lightRig rig="threePt" dir="t"/>
+    </dgm:scene3d>
+    <dgm:sp3d/>
+    <dgm:txPr/>
+    <dgm:style>
+      <a:lnRef idx="2">
+        <a:scrgbClr r="0" g="0" b="0"/>
+      </a:lnRef>
+      <a:fillRef idx="1">
+        <a:scrgbClr r="0" g="0" b="0"/>
+      </a:fillRef>
+      <a:effectRef idx="0">
+        <a:scrgbClr r="0" g="0" b="0"/>
+      </a:effectRef>
+      <a:fontRef idx="minor">
+        <a:schemeClr val="lt1"/>
+      </a:fontRef>
+    </dgm:style>
+  </dgm:styleLbl>
+  <dgm:styleLbl name="asst1">
+    <dgm:scene3d>
+      <a:camera prst="orthographicFront"/>
+      <a:lightRig rig="threePt" dir="t"/>
+    </dgm:scene3d>
+    <dgm:sp3d/>
+    <dgm:txPr/>
+    <dgm:style>
+      <a:lnRef idx="2">
+        <a:scrgbClr r="0" g="0" b="0"/>
+      </a:lnRef>
+      <a:fillRef idx="1">
+        <a:scrgbClr r="0" g="0" b="0"/>
+      </a:fillRef>
+      <a:effectRef idx="0">
+        <a:scrgbClr r="0" g="0" b="0"/>
+      </a:effectRef>
+      <a:fontRef idx="minor">
+        <a:schemeClr val="lt1"/>
+      </a:fontRef>
+    </dgm:style>
+  </dgm:styleLbl>
+  <dgm:styleLbl name="asst2">
+    <dgm:scene3d>
+      <a:camera prst="orthographicFront"/>
+      <a:lightRig rig="threePt" dir="t"/>
+    </dgm:scene3d>
+    <dgm:sp3d/>
+    <dgm:txPr/>
+    <dgm:style>
+      <a:lnRef idx="2">
+        <a:scrgbClr r="0" g="0" b="0"/>
+      </a:lnRef>
+      <a:fillRef idx="1">
+        <a:scrgbClr r="0" g="0" b="0"/>
+      </a:fillRef>
+      <a:effectRef idx="0">
+        <a:scrgbClr r="0" g="0" b="0"/>
+      </a:effectRef>
+      <a:fontRef idx="minor">
+        <a:schemeClr val="lt1"/>
+      </a:fontRef>
+    </dgm:style>
+  </dgm:styleLbl>
+  <dgm:styleLbl name="asst3">
+    <dgm:scene3d>
+      <a:camera prst="orthographicFront"/>
+      <a:lightRig rig="threePt" dir="t"/>
+    </dgm:scene3d>
+    <dgm:sp3d/>
+    <dgm:txPr/>
+    <dgm:style>
+      <a:lnRef idx="2">
+        <a:scrgbClr r="0" g="0" b="0"/>
+      </a:lnRef>
+      <a:fillRef idx="1">
+        <a:scrgbClr r="0" g="0" b="0"/>
+      </a:fillRef>
+      <a:effectRef idx="0">
+        <a:scrgbClr r="0" g="0" b="0"/>
+      </a:effectRef>
+      <a:fontRef idx="minor">
+        <a:schemeClr val="lt1"/>
+      </a:fontRef>
+    </dgm:style>
+  </dgm:styleLbl>
+  <dgm:styleLbl name="asst4">
+    <dgm:scene3d>
+      <a:camera prst="orthographicFront"/>
+      <a:lightRig rig="threePt" dir="t"/>
+    </dgm:scene3d>
+    <dgm:sp3d/>
+    <dgm:txPr/>
+    <dgm:style>
+      <a:lnRef idx="2">
+        <a:scrgbClr r="0" g="0" b="0"/>
+      </a:lnRef>
+      <a:fillRef idx="1">
+        <a:scrgbClr r="0" g="0" b="0"/>
+      </a:fillRef>
+      <a:effectRef idx="0">
+        <a:scrgbClr r="0" g="0" b="0"/>
+      </a:effectRef>
+      <a:fontRef idx="minor">
+        <a:schemeClr val="lt1"/>
+      </a:fontRef>
+    </dgm:style>
+  </dgm:styleLbl>
+  <dgm:styleLbl name="parChTrans2D1">
+    <dgm:scene3d>
+      <a:camera prst="orthographicFront"/>
+      <a:lightRig rig="threePt" dir="t"/>
+    </dgm:scene3d>
+    <dgm:sp3d/>
+    <dgm:txPr/>
+    <dgm:style>
+      <a:lnRef idx="2">
+        <a:scrgbClr r="0" g="0" b="0"/>
+      </a:lnRef>
+      <a:fillRef idx="1">
+        <a:scrgbClr r="0" g="0" b="0"/>
+      </a:fillRef>
+      <a:effectRef idx="0">
+        <a:scrgbClr r="0" g="0" b="0"/>
+      </a:effectRef>
+      <a:fontRef idx="minor">
+        <a:schemeClr val="lt1"/>
+      </a:fontRef>
+    </dgm:style>
+  </dgm:styleLbl>
+  <dgm:styleLbl name="parChTrans2D2">
+    <dgm:scene3d>
+      <a:camera prst="orthographicFront"/>
+      <a:lightRig rig="threePt" dir="t"/>
+    </dgm:scene3d>
+    <dgm:sp3d/>
+    <dgm:txPr/>
+    <dgm:style>
+      <a:lnRef idx="2">
+        <a:scrgbClr r="0" g="0" b="0"/>
+      </a:lnRef>
+      <a:fillRef idx="1">
+        <a:scrgbClr r="0" g="0" b="0"/>
+      </a:fillRef>
+      <a:effectRef idx="0">
+        <a:scrgbClr r="0" g="0" b="0"/>
+      </a:effectRef>
+      <a:fontRef idx="minor">
+        <a:schemeClr val="lt1"/>
+      </a:fontRef>
+    </dgm:style>
+  </dgm:styleLbl>
+  <dgm:styleLbl name="parChTrans2D3">
+    <dgm:scene3d>
+      <a:camera prst="orthographicFront"/>
+      <a:lightRig rig="threePt" dir="t"/>
+    </dgm:scene3d>
+    <dgm:sp3d/>
+    <dgm:txPr/>
+    <dgm:style>
+      <a:lnRef idx="2">
+        <a:scrgbClr r="0" g="0" b="0"/>
+      </a:lnRef>
+      <a:fillRef idx="1">
+        <a:scrgbClr r="0" g="0" b="0"/>
+      </a:fillRef>
+      <a:effectRef idx="0">
+        <a:scrgbClr r="0" g="0" b="0"/>
+      </a:effectRef>
+      <a:fontRef idx="minor">
+        <a:schemeClr val="lt1"/>
+      </a:fontRef>
+    </dgm:style>
+  </dgm:styleLbl>
+  <dgm:styleLbl name="parChTrans2D4">
+    <dgm:scene3d>
+      <a:camera prst="orthographicFront"/>
+      <a:lightRig rig="threePt" dir="t"/>
+    </dgm:scene3d>
+    <dgm:sp3d/>
+    <dgm:txPr/>
+    <dgm:style>
+      <a:lnRef idx="2">
+        <a:scrgbClr r="0" g="0" b="0"/>
+      </a:lnRef>
+      <a:fillRef idx="1">
+        <a:scrgbClr r="0" g="0" b="0"/>
+      </a:fillRef>
+      <a:effectRef idx="0">
+        <a:scrgbClr r="0" g="0" b="0"/>
+      </a:effectRef>
+      <a:fontRef idx="minor">
+        <a:schemeClr val="lt1"/>
+      </a:fontRef>
+    </dgm:style>
+  </dgm:styleLbl>
+  <dgm:styleLbl name="parChTrans1D1">
+    <dgm:scene3d>
+      <a:camera prst="orthographicFront"/>
+      <a:lightRig rig="threePt" dir="t"/>
+    </dgm:scene3d>
+    <dgm:sp3d/>
+    <dgm:txPr/>
+    <dgm:style>
+      <a:lnRef idx="2">
+        <a:scrgbClr r="0" g="0" b="0"/>
+      </a:lnRef>
+      <a:fillRef idx="0">
+        <a:scrgbClr r="0" g="0" b="0"/>
+      </a:fillRef>
+      <a:effectRef idx="0">
+        <a:scrgbClr r="0" g="0" b="0"/>
+      </a:effectRef>
+      <a:fontRef idx="minor"/>
+    </dgm:style>
+  </dgm:styleLbl>
+  <dgm:styleLbl name="parChTrans1D2">
+    <dgm:scene3d>
+      <a:camera prst="orthographicFront"/>
+      <a:lightRig rig="threePt" dir="t"/>
+    </dgm:scene3d>
+    <dgm:sp3d/>
+    <dgm:txPr/>
+    <dgm:style>
+      <a:lnRef idx="2">
+        <a:scrgbClr r="0" g="0" b="0"/>
+      </a:lnRef>
+      <a:fillRef idx="0">
+        <a:scrgbClr r="0" g="0" b="0"/>
+      </a:fillRef>
+      <a:effectRef idx="0">
+        <a:scrgbClr r="0" g="0" b="0"/>
+      </a:effectRef>
+      <a:fontRef idx="minor"/>
+    </dgm:style>
+  </dgm:styleLbl>
+  <dgm:styleLbl name="parChTrans1D3">
+    <dgm:scene3d>
+      <a:camera prst="orthographicFront"/>
+      <a:lightRig rig="threePt" dir="t"/>
+    </dgm:scene3d>
+    <dgm:sp3d/>
+    <dgm:txPr/>
+    <dgm:style>
+      <a:lnRef idx="2">
+        <a:scrgbClr r="0" g="0" b="0"/>
+      </a:lnRef>
+      <a:fillRef idx="0">
+        <a:scrgbClr r="0" g="0" b="0"/>
+      </a:fillRef>
+      <a:effectRef idx="0">
+        <a:scrgbClr r="0" g="0" b="0"/>
+      </a:effectRef>
+      <a:fontRef idx="minor"/>
+    </dgm:style>
+  </dgm:styleLbl>
+  <dgm:styleLbl name="parChTrans1D4">
+    <dgm:scene3d>
+      <a:camera prst="orthographicFront"/>
+      <a:lightRig rig="threePt" dir="t"/>
+    </dgm:scene3d>
+    <dgm:sp3d/>
+    <dgm:txPr/>
+    <dgm:style>
+      <a:lnRef idx="2">
+        <a:scrgbClr r="0" g="0" b="0"/>
+      </a:lnRef>
+      <a:fillRef idx="0">
+        <a:scrgbClr r="0" g="0" b="0"/>
+      </a:fillRef>
+      <a:effectRef idx="0">
+        <a:scrgbClr r="0" g="0" b="0"/>
+      </a:effectRef>
+      <a:fontRef idx="minor"/>
+    </dgm:style>
+  </dgm:styleLbl>
+  <dgm:styleLbl name="fgAcc1">
+    <dgm:scene3d>
+      <a:camera prst="orthographicFront"/>
+      <a:lightRig rig="threePt" dir="t"/>
+    </dgm:scene3d>
+    <dgm:sp3d/>
+    <dgm:txPr/>
+    <dgm:style>
+      <a:lnRef idx="2">
+        <a:scrgbClr r="0" g="0" b="0"/>
+      </a:lnRef>
+      <a:fillRef idx="1">
+        <a:scrgbClr r="0" g="0" b="0"/>
+      </a:fillRef>
+      <a:effectRef idx="0">
+        <a:scrgbClr r="0" g="0" b="0"/>
+      </a:effectRef>
+      <a:fontRef idx="minor"/>
+    </dgm:style>
+  </dgm:styleLbl>
+  <dgm:styleLbl name="conFgAcc1">
+    <dgm:scene3d>
+      <a:camera prst="orthographicFront"/>
+      <a:lightRig rig="threePt" dir="t"/>
+    </dgm:scene3d>
+    <dgm:sp3d/>
+    <dgm:txPr/>
+    <dgm:style>
+      <a:lnRef idx="2">
+        <a:scrgbClr r="0" g="0" b="0"/>
+      </a:lnRef>
+      <a:fillRef idx="1">
+        <a:scrgbClr r="0" g="0" b="0"/>
+      </a:fillRef>
+      <a:effectRef idx="0">
+        <a:scrgbClr r="0" g="0" b="0"/>
+      </a:effectRef>
+      <a:fontRef idx="minor"/>
+    </dgm:style>
+  </dgm:styleLbl>
+  <dgm:styleLbl name="alignAcc1">
+    <dgm:scene3d>
+      <a:camera prst="orthographicFront"/>
+      <a:lightRig rig="threePt" dir="t"/>
+    </dgm:scene3d>
+    <dgm:sp3d/>
+    <dgm:txPr/>
+    <dgm:style>
+      <a:lnRef idx="2">
+        <a:scrgbClr r="0" g="0" b="0"/>
+      </a:lnRef>
+      <a:fillRef idx="1">
+        <a:scrgbClr r="0" g="0" b="0"/>
+      </a:fillRef>
+      <a:effectRef idx="0">
+        <a:scrgbClr r="0" g="0" b="0"/>
+      </a:effectRef>
+      <a:fontRef idx="minor"/>
+    </dgm:style>
+  </dgm:styleLbl>
+  <dgm:styleLbl name="trAlignAcc1">
+    <dgm:scene3d>
+      <a:camera prst="orthographicFront"/>
+      <a:lightRig rig="threePt" dir="t"/>
+    </dgm:scene3d>
+    <dgm:sp3d/>
+    <dgm:txPr/>
+    <dgm:style>
+      <a:lnRef idx="1">
+        <a:scrgbClr r="0" g="0" b="0"/>
+      </a:lnRef>
+      <a:fillRef idx="1">
+        <a:scrgbClr r="0" g="0" b="0"/>
+      </a:fillRef>
+      <a:effectRef idx="0">
+        <a:scrgbClr r="0" g="0" b="0"/>
+      </a:effectRef>
+      <a:fontRef idx="minor"/>
+    </dgm:style>
+  </dgm:styleLbl>
+  <dgm:styleLbl name="bgAcc1">
+    <dgm:scene3d>
+      <a:camera prst="orthographicFront"/>
+      <a:lightRig rig="threePt" dir="t"/>
+    </dgm:scene3d>
+    <dgm:sp3d/>
+    <dgm:txPr/>
+    <dgm:style>
+      <a:lnRef idx="2">
+        <a:scrgbClr r="0" g="0" b="0"/>
+      </a:lnRef>
+      <a:fillRef idx="1">
+        <a:scrgbClr r="0" g="0" b="0"/>
+      </a:fillRef>
+      <a:effectRef idx="0">
+        <a:scrgbClr r="0" g="0" b="0"/>
+      </a:effectRef>
+      <a:fontRef idx="minor"/>
+    </dgm:style>
+  </dgm:styleLbl>
+  <dgm:styleLbl name="solidFgAcc1">
+    <dgm:scene3d>
+      <a:camera prst="orthographicFront"/>
+      <a:lightRig rig="threePt" dir="t"/>
+    </dgm:scene3d>
+    <dgm:sp3d/>
+    <dgm:txPr/>
+    <dgm:style>
+      <a:lnRef idx="2">
+        <a:scrgbClr r="0" g="0" b="0"/>
+      </a:lnRef>
+      <a:fillRef idx="1">
+        <a:scrgbClr r="0" g="0" b="0"/>
+      </a:fillRef>
+      <a:effectRef idx="0">
+        <a:scrgbClr r="0" g="0" b="0"/>
+      </a:effectRef>
+      <a:fontRef idx="minor"/>
+    </dgm:style>
+  </dgm:styleLbl>
+  <dgm:styleLbl name="solidAlignAcc1">
+    <dgm:scene3d>
+      <a:camera prst="orthographicFront"/>
+      <a:lightRig rig="threePt" dir="t"/>
+    </dgm:scene3d>
+    <dgm:sp3d/>
+    <dgm:txPr/>
+    <dgm:style>
+      <a:lnRef idx="2">
+        <a:scrgbClr r="0" g="0" b="0"/>
+      </a:lnRef>
+      <a:fillRef idx="1">
+        <a:scrgbClr r="0" g="0" b="0"/>
+      </a:fillRef>
+      <a:effectRef idx="0">
+        <a:scrgbClr r="0" g="0" b="0"/>
+      </a:effectRef>
+      <a:fontRef idx="minor"/>
+    </dgm:style>
+  </dgm:styleLbl>
+  <dgm:styleLbl name="solidBgAcc1">
+    <dgm:scene3d>
+      <a:camera prst="orthographicFront"/>
+      <a:lightRig rig="threePt" dir="t"/>
+    </dgm:scene3d>
+    <dgm:sp3d/>
+    <dgm:txPr/>
+    <dgm:style>
+      <a:lnRef idx="2">
+        <a:scrgbClr r="0" g="0" b="0"/>
+      </a:lnRef>
+      <a:fillRef idx="1">
+        <a:scrgbClr r="0" g="0" b="0"/>
+      </a:fillRef>
+      <a:effectRef idx="0">
+        <a:scrgbClr r="0" g="0" b="0"/>
+      </a:effectRef>
+      <a:fontRef idx="minor"/>
+    </dgm:style>
+  </dgm:styleLbl>
+  <dgm:styleLbl name="fgAccFollowNode1">
+    <dgm:scene3d>
+      <a:camera prst="orthographicFront"/>
+      <a:lightRig rig="threePt" dir="t"/>
+    </dgm:scene3d>
+    <dgm:sp3d/>
+    <dgm:txPr/>
+    <dgm:style>
+      <a:lnRef idx="2">
+        <a:scrgbClr r="0" g="0" b="0"/>
+      </a:lnRef>
+      <a:fillRef idx="1">
+        <a:scrgbClr r="0" g="0" b="0"/>
+      </a:fillRef>
+      <a:effectRef idx="0">
+        <a:scrgbClr r="0" g="0" b="0"/>
+      </a:effectRef>
+      <a:fontRef idx="minor"/>
+    </dgm:style>
+  </dgm:styleLbl>
+  <dgm:styleLbl name="alignAccFollowNode1">
+    <dgm:scene3d>
+      <a:camera prst="orthographicFront"/>
+      <a:lightRig rig="threePt" dir="t"/>
+    </dgm:scene3d>
+    <dgm:sp3d/>
+    <dgm:txPr/>
+    <dgm:style>
+      <a:lnRef idx="2">
+        <a:scrgbClr r="0" g="0" b="0"/>
+      </a:lnRef>
+      <a:fillRef idx="1">
+        <a:scrgbClr r="0" g="0" b="0"/>
+      </a:fillRef>
+      <a:effectRef idx="0">
+        <a:scrgbClr r="0" g="0" b="0"/>
+      </a:effectRef>
+      <a:fontRef idx="minor"/>
+    </dgm:style>
+  </dgm:styleLbl>
+  <dgm:styleLbl name="bgAccFollowNode1">
+    <dgm:scene3d>
+      <a:camera prst="orthographicFront"/>
+      <a:lightRig rig="threePt" dir="t"/>
+    </dgm:scene3d>
+    <dgm:sp3d/>
+    <dgm:txPr/>
+    <dgm:style>
+      <a:lnRef idx="2">
+        <a:scrgbClr r="0" g="0" b="0"/>
+      </a:lnRef>
+      <a:fillRef idx="1">
+        <a:scrgbClr r="0" g="0" b="0"/>
+      </a:fillRef>
+      <a:effectRef idx="0">
+        <a:scrgbClr r="0" g="0" b="0"/>
+      </a:effectRef>
+      <a:fontRef idx="minor"/>
+    </dgm:style>
+  </dgm:styleLbl>
+  <dgm:styleLbl name="fgAcc0">
+    <dgm:scene3d>
+      <a:camera prst="orthographicFront"/>
+      <a:lightRig rig="threePt" dir="t"/>
+    </dgm:scene3d>
+    <dgm:sp3d/>
+    <dgm:txPr/>
+    <dgm:style>
+      <a:lnRef idx="2">
+        <a:scrgbClr r="0" g="0" b="0"/>
+      </a:lnRef>
+      <a:fillRef idx="1">
+        <a:scrgbClr r="0" g="0" b="0"/>
+      </a:fillRef>
+      <a:effectRef idx="0">
+        <a:scrgbClr r="0" g="0" b="0"/>
+      </a:effectRef>
+      <a:fontRef idx="minor"/>
+    </dgm:style>
+  </dgm:styleLbl>
+  <dgm:styleLbl name="fgAcc2">
+    <dgm:scene3d>
+      <a:camera prst="orthographicFront"/>
+      <a:lightRig rig="threePt" dir="t"/>
+    </dgm:scene3d>
+    <dgm:sp3d/>
+    <dgm:txPr/>
+    <dgm:style>
+      <a:lnRef idx="2">
+        <a:scrgbClr r="0" g="0" b="0"/>
+      </a:lnRef>
+      <a:fillRef idx="1">
+        <a:scrgbClr r="0" g="0" b="0"/>
+      </a:fillRef>
+      <a:effectRef idx="0">
+        <a:scrgbClr r="0" g="0" b="0"/>
+      </a:effectRef>
+      <a:fontRef idx="minor"/>
+    </dgm:style>
+  </dgm:styleLbl>
+  <dgm:styleLbl name="fgAcc3">
+    <dgm:scene3d>
+      <a:camera prst="orthographicFront"/>
+      <a:lightRig rig="threePt" dir="t"/>
+    </dgm:scene3d>
+    <dgm:sp3d/>
+    <dgm:txPr/>
+    <dgm:style>
+      <a:lnRef idx="2">
+        <a:scrgbClr r="0" g="0" b="0"/>
+      </a:lnRef>
+      <a:fillRef idx="1">
+        <a:scrgbClr r="0" g="0" b="0"/>
+      </a:fillRef>
+      <a:effectRef idx="0">
+        <a:scrgbClr r="0" g="0" b="0"/>
+      </a:effectRef>
+      <a:fontRef idx="minor"/>
+    </dgm:style>
+  </dgm:styleLbl>
+  <dgm:styleLbl name="fgAcc4">
+    <dgm:scene3d>
+      <a:camera prst="orthographicFront"/>
+      <a:lightRig rig="threePt" dir="t"/>
+    </dgm:scene3d>
+    <dgm:sp3d/>
+    <dgm:txPr/>
+    <dgm:style>
+      <a:lnRef idx="2">
+        <a:scrgbClr r="0" g="0" b="0"/>
+      </a:lnRef>
+      <a:fillRef idx="1">
+        <a:scrgbClr r="0" g="0" b="0"/>
+      </a:fillRef>
+      <a:effectRef idx="0">
+        <a:scrgbClr r="0" g="0" b="0"/>
+      </a:effectRef>
+      <a:fontRef idx="minor"/>
+    </dgm:style>
+  </dgm:styleLbl>
+  <dgm:styleLbl name="bgShp">
+    <dgm:scene3d>
+      <a:camera prst="orthographicFront"/>
+      <a:lightRig rig="threePt" dir="t"/>
+    </dgm:scene3d>
+    <dgm:sp3d/>
+    <dgm:txPr/>
+    <dgm:style>
+      <a:lnRef idx="0">
+        <a:scrgbClr r="0" g="0" b="0"/>
+      </a:lnRef>
+      <a:fillRef idx="1">
+        <a:scrgbClr r="0" g="0" b="0"/>
+      </a:fillRef>
+      <a:effectRef idx="0">
+        <a:scrgbClr r="0" g="0" b="0"/>
+      </a:effectRef>
+      <a:fontRef idx="minor"/>
+    </dgm:style>
+  </dgm:styleLbl>
+  <dgm:styleLbl name="dkBgShp">
+    <dgm:scene3d>
+      <a:camera prst="orthographicFront"/>
+      <a:lightRig rig="threePt" dir="t"/>
+    </dgm:scene3d>
+    <dgm:sp3d/>
+    <dgm:txPr/>
+    <dgm:style>
+      <a:lnRef idx="0">
+        <a:scrgbClr r="0" g="0" b="0"/>
+      </a:lnRef>
+      <a:fillRef idx="1">
+        <a:scrgbClr r="0" g="0" b="0"/>
+      </a:fillRef>
+      <a:effectRef idx="0">
+        <a:scrgbClr r="0" g="0" b="0"/>
+      </a:effectRef>
+      <a:fontRef idx="minor"/>
+    </dgm:style>
+  </dgm:styleLbl>
+  <dgm:styleLbl name="trBgShp">
+    <dgm:scene3d>
+      <a:camera prst="orthographicFront"/>
+      <a:lightRig rig="threePt" dir="t"/>
+    </dgm:scene3d>
+    <dgm:sp3d/>
+    <dgm:txPr/>
+    <dgm:style>
+      <a:lnRef idx="0">
+        <a:scrgbClr r="0" g="0" b="0"/>
+      </a:lnRef>
+      <a:fillRef idx="1">
+        <a:scrgbClr r="0" g="0" b="0"/>
+      </a:fillRef>
+      <a:effectRef idx="0">
+        <a:scrgbClr r="0" g="0" b="0"/>
+      </a:effectRef>
+      <a:fontRef idx="minor"/>
+    </dgm:style>
+  </dgm:styleLbl>
+  <dgm:styleLbl name="fgShp">
+    <dgm:scene3d>
+      <a:camera prst="orthographicFront"/>
+      <a:lightRig rig="threePt" dir="t"/>
+    </dgm:scene3d>
+    <dgm:sp3d/>
+    <dgm:txPr/>
+    <dgm:style>
+      <a:lnRef idx="2">
+        <a:scrgbClr r="0" g="0" b="0"/>
+      </a:lnRef>
+      <a:fillRef idx="1">
+        <a:scrgbClr r="0" g="0" b="0"/>
+      </a:fillRef>
+      <a:effectRef idx="0">
+        <a:scrgbClr r="0" g="0" b="0"/>
+      </a:effectRef>
+      <a:fontRef idx="minor"/>
+    </dgm:style>
+  </dgm:styleLbl>
+  <dgm:styleLbl name="revTx">
+    <dgm:scene3d>
+      <a:camera prst="orthographicFront"/>
+      <a:lightRig rig="threePt" dir="t"/>
+    </dgm:scene3d>
+    <dgm:sp3d/>
+    <dgm:txPr/>
+    <dgm:style>
+      <a:lnRef idx="0">
+        <a:scrgbClr r="0" g="0" b="0"/>
+      </a:lnRef>
+      <a:fillRef idx="0">
+        <a:scrgbClr r="0" g="0" b="0"/>
+      </a:fillRef>
+      <a:effectRef idx="0">
+        <a:scrgbClr r="0" g="0" b="0"/>
+      </a:effectRef>
+      <a:fontRef idx="minor"/>
+    </dgm:style>
+  </dgm:styleLbl>
+</dgm:styleDef>
 </file>
 
 <file path=ppt/slideLayouts/slideLayout1.xml><?xml version="1.0" encoding="utf-8"?>
@@ -13220,81 +15890,131 @@
       </p:sp>
       <p:sp>
         <p:nvSpPr>
-          <p:cNvPr id="3" name="Subtitle 2">
+          <p:cNvPr id="5" name="TextBox 4">
             <a:extLst>
               <a:ext uri="{FF2B5EF4-FFF2-40B4-BE49-F238E27FC236}">
-                <a16:creationId xmlns:a16="http://schemas.microsoft.com/office/drawing/2014/main" id="{1BCC4096-FBC8-448E-9D51-3FB1EE09712B}"/>
+                <a16:creationId xmlns:a16="http://schemas.microsoft.com/office/drawing/2014/main" id="{09164A39-6CD0-49F2-A035-611689F1E530}"/>
               </a:ext>
             </a:extLst>
           </p:cNvPr>
-          <p:cNvSpPr>
-            <a:spLocks noGrp="1"/>
-          </p:cNvSpPr>
-          <p:nvPr>
-            <p:ph type="subTitle" idx="1"/>
-          </p:nvPr>
+          <p:cNvSpPr txBox="1"/>
+          <p:nvPr/>
         </p:nvSpPr>
         <p:spPr>
           <a:xfrm>
-            <a:off x="1154954" y="2175164"/>
-            <a:ext cx="9610027" cy="3463636"/>
+            <a:off x="1553591" y="1947196"/>
+            <a:ext cx="9614517" cy="1631216"/>
           </a:xfrm>
+          <a:prstGeom prst="rect">
+            <a:avLst/>
+          </a:prstGeom>
+          <a:noFill/>
         </p:spPr>
         <p:txBody>
-          <a:bodyPr>
-            <a:normAutofit/>
+          <a:bodyPr wrap="square" rtlCol="0">
+            <a:spAutoFit/>
           </a:bodyPr>
           <a:lstStyle/>
           <a:p>
             <a:r>
-              <a:rPr lang="en-IN" sz="5400" dirty="0"/>
-              <a:t>Camera ----------   Rs 2000</a:t>
+              <a:rPr lang="en-IN" sz="2000" dirty="0">
+                <a:solidFill>
+                  <a:schemeClr val="accent1">
+                    <a:lumMod val="60000"/>
+                    <a:lumOff val="40000"/>
+                  </a:schemeClr>
+                </a:solidFill>
+              </a:rPr>
+              <a:t>In our PROTOTYPE, there is need of NO MONEY.</a:t>
             </a:r>
           </a:p>
           <a:p>
             <a:r>
-              <a:rPr lang="en-IN" sz="5400" dirty="0" err="1"/>
-              <a:t>Neurostick</a:t>
+              <a:rPr lang="en-IN" sz="2000" dirty="0">
+                <a:solidFill>
+                  <a:schemeClr val="accent1">
+                    <a:lumMod val="60000"/>
+                    <a:lumOff val="40000"/>
+                  </a:schemeClr>
+                </a:solidFill>
+              </a:rPr>
+              <a:t>But when we make a WHOLE PRODUCT, then there is a need of money. Like for anti-theft </a:t>
             </a:r>
             <a:r>
-              <a:rPr lang="en-IN" sz="5400" dirty="0"/>
-              <a:t> -----   Rs 6000</a:t>
-            </a:r>
-          </a:p>
-          <a:p>
-            <a:r>
-              <a:rPr lang="en-IN" sz="5400" dirty="0">
+              <a:rPr lang="en-IN" sz="2000" dirty="0" err="1">
                 <a:solidFill>
-                  <a:schemeClr val="accent6">
-                    <a:lumMod val="75000"/>
+                  <a:schemeClr val="accent1">
+                    <a:lumMod val="60000"/>
+                    <a:lumOff val="40000"/>
                   </a:schemeClr>
                 </a:solidFill>
               </a:rPr>
-              <a:t>Total --------------   </a:t>
+              <a:t>surviliance</a:t>
             </a:r>
             <a:r>
-              <a:rPr lang="en-IN" sz="5400" dirty="0" err="1">
+              <a:rPr lang="en-IN" sz="2000" dirty="0">
                 <a:solidFill>
-                  <a:schemeClr val="accent6">
-                    <a:lumMod val="75000"/>
+                  <a:schemeClr val="accent1">
+                    <a:lumMod val="60000"/>
+                    <a:lumOff val="40000"/>
                   </a:schemeClr>
                 </a:solidFill>
               </a:rPr>
-              <a:t>rs</a:t>
+              <a:t>, we need the CCTV camera, and basic model of that will cost us 2000 rupees. For implementing all things, we have to use other things too like </a:t>
             </a:r>
             <a:r>
-              <a:rPr lang="en-IN" sz="5400" dirty="0">
+              <a:rPr lang="en-IN" sz="2000" dirty="0" err="1">
                 <a:solidFill>
-                  <a:schemeClr val="accent6">
-                    <a:lumMod val="75000"/>
+                  <a:schemeClr val="accent1">
+                    <a:lumMod val="60000"/>
+                    <a:lumOff val="40000"/>
                   </a:schemeClr>
                 </a:solidFill>
               </a:rPr>
-              <a:t> 8000</a:t>
+              <a:t>neurostick</a:t>
+            </a:r>
+            <a:r>
+              <a:rPr lang="en-IN" sz="2000" dirty="0">
+                <a:solidFill>
+                  <a:schemeClr val="accent1">
+                    <a:lumMod val="60000"/>
+                    <a:lumOff val="40000"/>
+                  </a:schemeClr>
+                </a:solidFill>
+              </a:rPr>
+              <a:t>. Following is the rough bill.</a:t>
             </a:r>
           </a:p>
         </p:txBody>
       </p:sp>
+      <p:graphicFrame>
+        <p:nvGraphicFramePr>
+          <p:cNvPr id="6" name="Diagram 5">
+            <a:extLst>
+              <a:ext uri="{FF2B5EF4-FFF2-40B4-BE49-F238E27FC236}">
+                <a16:creationId xmlns:a16="http://schemas.microsoft.com/office/drawing/2014/main" id="{6865E3B9-1135-4521-A957-710759DBCF54}"/>
+              </a:ext>
+            </a:extLst>
+          </p:cNvPr>
+          <p:cNvGraphicFramePr/>
+          <p:nvPr>
+            <p:extLst>
+              <p:ext uri="{D42A27DB-BD31-4B8C-83A1-F6EECF244321}">
+                <p14:modId xmlns:p14="http://schemas.microsoft.com/office/powerpoint/2010/main" val="1277376610"/>
+              </p:ext>
+            </p:extLst>
+          </p:nvPr>
+        </p:nvGraphicFramePr>
+        <p:xfrm>
+          <a:off x="2032000" y="3773010"/>
+          <a:ext cx="7600272" cy="2399190"/>
+        </p:xfrm>
+        <a:graphic>
+          <a:graphicData uri="http://schemas.openxmlformats.org/drawingml/2006/diagram">
+            <dgm:relIds xmlns:dgm="http://schemas.openxmlformats.org/drawingml/2006/diagram" xmlns:r="http://schemas.openxmlformats.org/officeDocument/2006/relationships" r:dm="rId2" r:lo="rId3" r:qs="rId4" r:cs="rId5"/>
+          </a:graphicData>
+        </a:graphic>
+      </p:graphicFrame>
     </p:spTree>
     <p:extLst>
       <p:ext uri="{BB962C8B-B14F-4D97-AF65-F5344CB8AC3E}">
@@ -13377,7 +16097,7 @@
         </p:spPr>
         <p:txBody>
           <a:bodyPr>
-            <a:normAutofit/>
+            <a:normAutofit fontScale="92500" lnSpcReduction="10000"/>
           </a:bodyPr>
           <a:lstStyle/>
           <a:p>
@@ -13387,7 +16107,15 @@
             </a:r>
             <a:r>
               <a:rPr lang="en-IN" sz="2400" dirty="0"/>
-              <a:t>  We can reduce proxy rate i.e. other students cant able to give attendance of their friends. This will force students to attend classes so that they cant ruin their career by not attending it.</a:t>
+              <a:t>  We can reduce proxy rate i.e. other students cant able to give attendance of their friends. This will force students to attend classes so that they cant ruin their career by not attending it. And also we can save </a:t>
+            </a:r>
+            <a:r>
+              <a:rPr lang="en-IN" sz="2400" dirty="0" err="1"/>
+              <a:t>thetime</a:t>
+            </a:r>
+            <a:r>
+              <a:rPr lang="en-IN" sz="2400" dirty="0"/>
+              <a:t> of class which is wasted in taking attendance of the present students.</a:t>
             </a:r>
           </a:p>
           <a:p>
@@ -13408,7 +16136,15 @@
             </a:r>
             <a:r>
               <a:rPr lang="en-IN" sz="2400" dirty="0"/>
-              <a:t>: This will reduce the burglary rate. By using this we can catch the robbers. In this way we can save a lot of money of innocent people.</a:t>
+              <a:t>: This will reduce the burglary rate. By using this we can catch the robbers. In this way we can save a lot of money of innocent people. And also we can save the human resource wasting his time in just sitting in front of </a:t>
+            </a:r>
+            <a:r>
+              <a:rPr lang="en-IN" sz="2400" dirty="0" err="1"/>
+              <a:t>cctv</a:t>
+            </a:r>
+            <a:r>
+              <a:rPr lang="en-IN" sz="2400" dirty="0"/>
+              <a:t> camera recording.</a:t>
             </a:r>
           </a:p>
         </p:txBody>
